--- a/IMProv_project_prep_v2.pptx
+++ b/IMProv_project_prep_v2.pptx
@@ -4134,2528 +4134,6 @@
       <dsp:cNvGrpSpPr/>
     </dsp:nvGrpSpPr>
     <dsp:grpSpPr/>
-    <dsp:sp modelId="{522A27CE-1DF7-482D-87C0-2B1E435AB1D2}">
-      <dsp:nvSpPr>
-        <dsp:cNvPr id="0" name=""/>
-        <dsp:cNvSpPr/>
-      </dsp:nvSpPr>
-      <dsp:spPr>
-        <a:xfrm>
-          <a:off x="3493169" y="0"/>
-          <a:ext cx="735607" cy="5805486"/>
-        </a:xfrm>
-        <a:prstGeom prst="roundRect">
-          <a:avLst>
-            <a:gd name="adj" fmla="val 10000"/>
-          </a:avLst>
-        </a:prstGeom>
-        <a:solidFill>
-          <a:schemeClr val="accent1">
-            <a:tint val="40000"/>
-            <a:hueOff val="0"/>
-            <a:satOff val="0"/>
-            <a:lumOff val="0"/>
-            <a:alphaOff val="0"/>
-          </a:schemeClr>
-        </a:solidFill>
-        <a:ln>
-          <a:noFill/>
-        </a:ln>
-        <a:effectLst/>
-      </dsp:spPr>
-      <dsp:style>
-        <a:lnRef idx="0">
-          <a:scrgbClr r="0" g="0" b="0"/>
-        </a:lnRef>
-        <a:fillRef idx="1">
-          <a:scrgbClr r="0" g="0" b="0"/>
-        </a:fillRef>
-        <a:effectRef idx="0">
-          <a:scrgbClr r="0" g="0" b="0"/>
-        </a:effectRef>
-        <a:fontRef idx="minor"/>
-      </dsp:style>
-      <dsp:txBody>
-        <a:bodyPr spcFirstLastPara="0" vert="horz" wrap="square" lIns="92456" tIns="92456" rIns="92456" bIns="92456" numCol="1" spcCol="1270" anchor="ctr" anchorCtr="0">
-          <a:noAutofit/>
-        </a:bodyPr>
-        <a:lstStyle/>
-        <a:p>
-          <a:pPr lvl="0" algn="ctr" defTabSz="577850">
-            <a:lnSpc>
-              <a:spcPct val="90000"/>
-            </a:lnSpc>
-            <a:spcBef>
-              <a:spcPct val="0"/>
-            </a:spcBef>
-            <a:spcAft>
-              <a:spcPct val="35000"/>
-            </a:spcAft>
-          </a:pPr>
-          <a:r>
-            <a:rPr lang="en-US" sz="1300" kern="1200" dirty="0" smtClean="0"/>
-            <a:t>content</a:t>
-          </a:r>
-          <a:endParaRPr lang="en-US" sz="1300" kern="1200" dirty="0"/>
-        </a:p>
-      </dsp:txBody>
-      <dsp:txXfrm>
-        <a:off x="3493169" y="0"/>
-        <a:ext cx="735607" cy="1741646"/>
-      </dsp:txXfrm>
-    </dsp:sp>
-    <dsp:sp modelId="{E6581A09-EC6F-4B68-B370-F7828F67A6DD}">
-      <dsp:nvSpPr>
-        <dsp:cNvPr id="0" name=""/>
-        <dsp:cNvSpPr/>
-      </dsp:nvSpPr>
-      <dsp:spPr>
-        <a:xfrm>
-          <a:off x="2634961" y="0"/>
-          <a:ext cx="735607" cy="5805486"/>
-        </a:xfrm>
-        <a:prstGeom prst="roundRect">
-          <a:avLst>
-            <a:gd name="adj" fmla="val 10000"/>
-          </a:avLst>
-        </a:prstGeom>
-        <a:solidFill>
-          <a:schemeClr val="accent1">
-            <a:tint val="40000"/>
-            <a:hueOff val="0"/>
-            <a:satOff val="0"/>
-            <a:lumOff val="0"/>
-            <a:alphaOff val="0"/>
-          </a:schemeClr>
-        </a:solidFill>
-        <a:ln>
-          <a:noFill/>
-        </a:ln>
-        <a:effectLst/>
-      </dsp:spPr>
-      <dsp:style>
-        <a:lnRef idx="0">
-          <a:scrgbClr r="0" g="0" b="0"/>
-        </a:lnRef>
-        <a:fillRef idx="1">
-          <a:scrgbClr r="0" g="0" b="0"/>
-        </a:fillRef>
-        <a:effectRef idx="0">
-          <a:scrgbClr r="0" g="0" b="0"/>
-        </a:effectRef>
-        <a:fontRef idx="minor"/>
-      </dsp:style>
-      <dsp:txBody>
-        <a:bodyPr spcFirstLastPara="0" vert="horz" wrap="square" lIns="92456" tIns="92456" rIns="92456" bIns="92456" numCol="1" spcCol="1270" anchor="ctr" anchorCtr="0">
-          <a:noAutofit/>
-        </a:bodyPr>
-        <a:lstStyle/>
-        <a:p>
-          <a:pPr lvl="0" algn="ctr" defTabSz="577850">
-            <a:lnSpc>
-              <a:spcPct val="90000"/>
-            </a:lnSpc>
-            <a:spcBef>
-              <a:spcPct val="0"/>
-            </a:spcBef>
-            <a:spcAft>
-              <a:spcPct val="35000"/>
-            </a:spcAft>
-          </a:pPr>
-          <a:r>
-            <a:rPr lang="en-US" sz="1300" kern="1200" dirty="0" smtClean="0"/>
-            <a:t>main</a:t>
-          </a:r>
-          <a:endParaRPr lang="en-US" sz="1300" kern="1200" dirty="0"/>
-        </a:p>
-      </dsp:txBody>
-      <dsp:txXfrm>
-        <a:off x="2634961" y="0"/>
-        <a:ext cx="735607" cy="1741646"/>
-      </dsp:txXfrm>
-    </dsp:sp>
-    <dsp:sp modelId="{5DDCC3A9-DD48-4A98-AB86-DBD97F4B052C}">
-      <dsp:nvSpPr>
-        <dsp:cNvPr id="0" name=""/>
-        <dsp:cNvSpPr/>
-      </dsp:nvSpPr>
-      <dsp:spPr>
-        <a:xfrm>
-          <a:off x="1776752" y="0"/>
-          <a:ext cx="735607" cy="5805486"/>
-        </a:xfrm>
-        <a:prstGeom prst="roundRect">
-          <a:avLst>
-            <a:gd name="adj" fmla="val 10000"/>
-          </a:avLst>
-        </a:prstGeom>
-        <a:solidFill>
-          <a:schemeClr val="accent1">
-            <a:tint val="40000"/>
-            <a:hueOff val="0"/>
-            <a:satOff val="0"/>
-            <a:lumOff val="0"/>
-            <a:alphaOff val="0"/>
-          </a:schemeClr>
-        </a:solidFill>
-        <a:ln>
-          <a:noFill/>
-        </a:ln>
-        <a:effectLst/>
-      </dsp:spPr>
-      <dsp:style>
-        <a:lnRef idx="0">
-          <a:scrgbClr r="0" g="0" b="0"/>
-        </a:lnRef>
-        <a:fillRef idx="1">
-          <a:scrgbClr r="0" g="0" b="0"/>
-        </a:fillRef>
-        <a:effectRef idx="0">
-          <a:scrgbClr r="0" g="0" b="0"/>
-        </a:effectRef>
-        <a:fontRef idx="minor"/>
-      </dsp:style>
-      <dsp:txBody>
-        <a:bodyPr spcFirstLastPara="0" vert="horz" wrap="square" lIns="92456" tIns="92456" rIns="92456" bIns="92456" numCol="1" spcCol="1270" anchor="ctr" anchorCtr="0">
-          <a:noAutofit/>
-        </a:bodyPr>
-        <a:lstStyle/>
-        <a:p>
-          <a:pPr lvl="0" algn="ctr" defTabSz="577850">
-            <a:lnSpc>
-              <a:spcPct val="90000"/>
-            </a:lnSpc>
-            <a:spcBef>
-              <a:spcPct val="0"/>
-            </a:spcBef>
-            <a:spcAft>
-              <a:spcPct val="35000"/>
-            </a:spcAft>
-          </a:pPr>
-          <a:r>
-            <a:rPr lang="en-US" sz="1300" kern="1200" dirty="0" smtClean="0"/>
-            <a:t>Root</a:t>
-          </a:r>
-          <a:endParaRPr lang="en-US" sz="1300" kern="1200" dirty="0"/>
-        </a:p>
-      </dsp:txBody>
-      <dsp:txXfrm>
-        <a:off x="1776752" y="0"/>
-        <a:ext cx="735607" cy="1741646"/>
-      </dsp:txXfrm>
-    </dsp:sp>
-    <dsp:sp modelId="{28D93CD3-FB3B-4408-8D58-766EE24C5F16}">
-      <dsp:nvSpPr>
-        <dsp:cNvPr id="0" name=""/>
-        <dsp:cNvSpPr/>
-      </dsp:nvSpPr>
-      <dsp:spPr>
-        <a:xfrm>
-          <a:off x="1838053" y="3768564"/>
-          <a:ext cx="613006" cy="306503"/>
-        </a:xfrm>
-        <a:prstGeom prst="roundRect">
-          <a:avLst>
-            <a:gd name="adj" fmla="val 10000"/>
-          </a:avLst>
-        </a:prstGeom>
-        <a:solidFill>
-          <a:schemeClr val="accent1">
-            <a:hueOff val="0"/>
-            <a:satOff val="0"/>
-            <a:lumOff val="0"/>
-            <a:alphaOff val="0"/>
-          </a:schemeClr>
-        </a:solidFill>
-        <a:ln w="12700" cap="flat" cmpd="sng" algn="ctr">
-          <a:solidFill>
-            <a:schemeClr val="lt1">
-              <a:hueOff val="0"/>
-              <a:satOff val="0"/>
-              <a:lumOff val="0"/>
-              <a:alphaOff val="0"/>
-            </a:schemeClr>
-          </a:solidFill>
-          <a:prstDash val="solid"/>
-          <a:miter lim="800000"/>
-        </a:ln>
-        <a:effectLst/>
-      </dsp:spPr>
-      <dsp:style>
-        <a:lnRef idx="2">
-          <a:scrgbClr r="0" g="0" b="0"/>
-        </a:lnRef>
-        <a:fillRef idx="1">
-          <a:scrgbClr r="0" g="0" b="0"/>
-        </a:fillRef>
-        <a:effectRef idx="0">
-          <a:scrgbClr r="0" g="0" b="0"/>
-        </a:effectRef>
-        <a:fontRef idx="minor">
-          <a:schemeClr val="lt1"/>
-        </a:fontRef>
-      </dsp:style>
-      <dsp:txBody>
-        <a:bodyPr spcFirstLastPara="0" vert="horz" wrap="square" lIns="4445" tIns="4445" rIns="4445" bIns="4445" numCol="1" spcCol="1270" anchor="ctr" anchorCtr="0">
-          <a:noAutofit/>
-        </a:bodyPr>
-        <a:lstStyle/>
-        <a:p>
-          <a:pPr lvl="0" algn="ctr" defTabSz="311150">
-            <a:lnSpc>
-              <a:spcPct val="90000"/>
-            </a:lnSpc>
-            <a:spcBef>
-              <a:spcPct val="0"/>
-            </a:spcBef>
-            <a:spcAft>
-              <a:spcPct val="35000"/>
-            </a:spcAft>
-          </a:pPr>
-          <a:r>
-            <a:rPr lang="en-US" sz="700" kern="1200" dirty="0" smtClean="0"/>
-            <a:t>Results</a:t>
-          </a:r>
-          <a:endParaRPr lang="en-US" sz="700" kern="1200" dirty="0"/>
-        </a:p>
-      </dsp:txBody>
-      <dsp:txXfrm>
-        <a:off x="1847030" y="3777541"/>
-        <a:ext cx="595052" cy="288549"/>
-      </dsp:txXfrm>
-    </dsp:sp>
-    <dsp:sp modelId="{911A8F96-1DA6-4B34-B939-5EB96BBDF3CD}">
-      <dsp:nvSpPr>
-        <dsp:cNvPr id="0" name=""/>
-        <dsp:cNvSpPr/>
-      </dsp:nvSpPr>
-      <dsp:spPr>
-        <a:xfrm rot="17051759">
-          <a:off x="2073736" y="3432406"/>
-          <a:ext cx="999848" cy="9503"/>
-        </a:xfrm>
-        <a:custGeom>
-          <a:avLst/>
-          <a:gdLst/>
-          <a:ahLst/>
-          <a:cxnLst/>
-          <a:rect l="0" t="0" r="0" b="0"/>
-          <a:pathLst>
-            <a:path>
-              <a:moveTo>
-                <a:pt x="0" y="4751"/>
-              </a:moveTo>
-              <a:lnTo>
-                <a:pt x="999848" y="4751"/>
-              </a:lnTo>
-            </a:path>
-          </a:pathLst>
-        </a:custGeom>
-        <a:noFill/>
-        <a:ln w="12700" cap="flat" cmpd="sng" algn="ctr">
-          <a:solidFill>
-            <a:schemeClr val="accent1">
-              <a:shade val="60000"/>
-              <a:hueOff val="0"/>
-              <a:satOff val="0"/>
-              <a:lumOff val="0"/>
-              <a:alphaOff val="0"/>
-            </a:schemeClr>
-          </a:solidFill>
-          <a:prstDash val="solid"/>
-          <a:miter lim="800000"/>
-        </a:ln>
-        <a:effectLst/>
-      </dsp:spPr>
-      <dsp:style>
-        <a:lnRef idx="2">
-          <a:scrgbClr r="0" g="0" b="0"/>
-        </a:lnRef>
-        <a:fillRef idx="0">
-          <a:scrgbClr r="0" g="0" b="0"/>
-        </a:fillRef>
-        <a:effectRef idx="0">
-          <a:scrgbClr r="0" g="0" b="0"/>
-        </a:effectRef>
-        <a:fontRef idx="minor"/>
-      </dsp:style>
-      <dsp:txBody>
-        <a:bodyPr spcFirstLastPara="0" vert="horz" wrap="square" lIns="12700" tIns="0" rIns="12700" bIns="0" numCol="1" spcCol="1270" anchor="ctr" anchorCtr="0">
-          <a:noAutofit/>
-        </a:bodyPr>
-        <a:lstStyle/>
-        <a:p>
-          <a:pPr lvl="0" algn="ctr" defTabSz="222250">
-            <a:lnSpc>
-              <a:spcPct val="90000"/>
-            </a:lnSpc>
-            <a:spcBef>
-              <a:spcPct val="0"/>
-            </a:spcBef>
-            <a:spcAft>
-              <a:spcPct val="35000"/>
-            </a:spcAft>
-          </a:pPr>
-          <a:endParaRPr lang="en-US" sz="500" kern="1200"/>
-        </a:p>
-      </dsp:txBody>
-      <dsp:txXfrm>
-        <a:off x="2548664" y="3412161"/>
-        <a:ext cx="49992" cy="49992"/>
-      </dsp:txXfrm>
-    </dsp:sp>
-    <dsp:sp modelId="{023F7967-8A03-480B-845A-BAE2DE7991FC}">
-      <dsp:nvSpPr>
-        <dsp:cNvPr id="0" name=""/>
-        <dsp:cNvSpPr/>
-      </dsp:nvSpPr>
-      <dsp:spPr>
-        <a:xfrm>
-          <a:off x="2696261" y="2799248"/>
-          <a:ext cx="613006" cy="306503"/>
-        </a:xfrm>
-        <a:prstGeom prst="roundRect">
-          <a:avLst>
-            <a:gd name="adj" fmla="val 10000"/>
-          </a:avLst>
-        </a:prstGeom>
-        <a:solidFill>
-          <a:schemeClr val="accent1">
-            <a:hueOff val="0"/>
-            <a:satOff val="0"/>
-            <a:lumOff val="0"/>
-            <a:alphaOff val="0"/>
-          </a:schemeClr>
-        </a:solidFill>
-        <a:ln w="12700" cap="flat" cmpd="sng" algn="ctr">
-          <a:solidFill>
-            <a:schemeClr val="lt1">
-              <a:hueOff val="0"/>
-              <a:satOff val="0"/>
-              <a:lumOff val="0"/>
-              <a:alphaOff val="0"/>
-            </a:schemeClr>
-          </a:solidFill>
-          <a:prstDash val="solid"/>
-          <a:miter lim="800000"/>
-        </a:ln>
-        <a:effectLst/>
-      </dsp:spPr>
-      <dsp:style>
-        <a:lnRef idx="2">
-          <a:scrgbClr r="0" g="0" b="0"/>
-        </a:lnRef>
-        <a:fillRef idx="1">
-          <a:scrgbClr r="0" g="0" b="0"/>
-        </a:fillRef>
-        <a:effectRef idx="0">
-          <a:scrgbClr r="0" g="0" b="0"/>
-        </a:effectRef>
-        <a:fontRef idx="minor">
-          <a:schemeClr val="lt1"/>
-        </a:fontRef>
-      </dsp:style>
-      <dsp:txBody>
-        <a:bodyPr spcFirstLastPara="0" vert="horz" wrap="square" lIns="4445" tIns="4445" rIns="4445" bIns="4445" numCol="1" spcCol="1270" anchor="ctr" anchorCtr="0">
-          <a:noAutofit/>
-        </a:bodyPr>
-        <a:lstStyle/>
-        <a:p>
-          <a:pPr lvl="0" algn="ctr" defTabSz="311150">
-            <a:lnSpc>
-              <a:spcPct val="90000"/>
-            </a:lnSpc>
-            <a:spcBef>
-              <a:spcPct val="0"/>
-            </a:spcBef>
-            <a:spcAft>
-              <a:spcPct val="35000"/>
-            </a:spcAft>
-          </a:pPr>
-          <a:r>
-            <a:rPr lang="en-US" sz="700" kern="1200" dirty="0" smtClean="0"/>
-            <a:t>data</a:t>
-          </a:r>
-          <a:endParaRPr lang="en-US" sz="700" kern="1200" dirty="0"/>
-        </a:p>
-      </dsp:txBody>
-      <dsp:txXfrm>
-        <a:off x="2705238" y="2808225"/>
-        <a:ext cx="595052" cy="288549"/>
-      </dsp:txXfrm>
-    </dsp:sp>
-    <dsp:sp modelId="{102B8575-8538-4FC7-AFC8-703CBEBBE228}">
-      <dsp:nvSpPr>
-        <dsp:cNvPr id="0" name=""/>
-        <dsp:cNvSpPr/>
-      </dsp:nvSpPr>
-      <dsp:spPr>
-        <a:xfrm rot="16983315">
-          <a:off x="2889122" y="2419030"/>
-          <a:ext cx="1085492" cy="9503"/>
-        </a:xfrm>
-        <a:custGeom>
-          <a:avLst/>
-          <a:gdLst/>
-          <a:ahLst/>
-          <a:cxnLst/>
-          <a:rect l="0" t="0" r="0" b="0"/>
-          <a:pathLst>
-            <a:path>
-              <a:moveTo>
-                <a:pt x="0" y="4751"/>
-              </a:moveTo>
-              <a:lnTo>
-                <a:pt x="1085492" y="4751"/>
-              </a:lnTo>
-            </a:path>
-          </a:pathLst>
-        </a:custGeom>
-        <a:noFill/>
-        <a:ln w="12700" cap="flat" cmpd="sng" algn="ctr">
-          <a:solidFill>
-            <a:schemeClr val="accent1">
-              <a:shade val="80000"/>
-              <a:hueOff val="0"/>
-              <a:satOff val="0"/>
-              <a:lumOff val="0"/>
-              <a:alphaOff val="0"/>
-            </a:schemeClr>
-          </a:solidFill>
-          <a:prstDash val="solid"/>
-          <a:miter lim="800000"/>
-        </a:ln>
-        <a:effectLst/>
-      </dsp:spPr>
-      <dsp:style>
-        <a:lnRef idx="2">
-          <a:scrgbClr r="0" g="0" b="0"/>
-        </a:lnRef>
-        <a:fillRef idx="0">
-          <a:scrgbClr r="0" g="0" b="0"/>
-        </a:fillRef>
-        <a:effectRef idx="0">
-          <a:scrgbClr r="0" g="0" b="0"/>
-        </a:effectRef>
-        <a:fontRef idx="minor"/>
-      </dsp:style>
-      <dsp:txBody>
-        <a:bodyPr spcFirstLastPara="0" vert="horz" wrap="square" lIns="12700" tIns="0" rIns="12700" bIns="0" numCol="1" spcCol="1270" anchor="ctr" anchorCtr="0">
-          <a:noAutofit/>
-        </a:bodyPr>
-        <a:lstStyle/>
-        <a:p>
-          <a:pPr lvl="0" algn="ctr" defTabSz="222250">
-            <a:lnSpc>
-              <a:spcPct val="90000"/>
-            </a:lnSpc>
-            <a:spcBef>
-              <a:spcPct val="0"/>
-            </a:spcBef>
-            <a:spcAft>
-              <a:spcPct val="35000"/>
-            </a:spcAft>
-          </a:pPr>
-          <a:endParaRPr lang="en-US" sz="500" kern="1200"/>
-        </a:p>
-      </dsp:txBody>
-      <dsp:txXfrm>
-        <a:off x="3404731" y="2396644"/>
-        <a:ext cx="54274" cy="54274"/>
-      </dsp:txXfrm>
-    </dsp:sp>
-    <dsp:sp modelId="{6BAFBE3F-3DEE-4F11-A921-8BFD6D98B4A6}">
-      <dsp:nvSpPr>
-        <dsp:cNvPr id="0" name=""/>
-        <dsp:cNvSpPr/>
-      </dsp:nvSpPr>
-      <dsp:spPr>
-        <a:xfrm>
-          <a:off x="3554470" y="1741812"/>
-          <a:ext cx="613006" cy="306503"/>
-        </a:xfrm>
-        <a:prstGeom prst="roundRect">
-          <a:avLst>
-            <a:gd name="adj" fmla="val 10000"/>
-          </a:avLst>
-        </a:prstGeom>
-        <a:solidFill>
-          <a:schemeClr val="accent1">
-            <a:hueOff val="0"/>
-            <a:satOff val="0"/>
-            <a:lumOff val="0"/>
-            <a:alphaOff val="0"/>
-          </a:schemeClr>
-        </a:solidFill>
-        <a:ln w="12700" cap="flat" cmpd="sng" algn="ctr">
-          <a:solidFill>
-            <a:schemeClr val="lt1">
-              <a:hueOff val="0"/>
-              <a:satOff val="0"/>
-              <a:lumOff val="0"/>
-              <a:alphaOff val="0"/>
-            </a:schemeClr>
-          </a:solidFill>
-          <a:prstDash val="solid"/>
-          <a:miter lim="800000"/>
-        </a:ln>
-        <a:effectLst/>
-      </dsp:spPr>
-      <dsp:style>
-        <a:lnRef idx="2">
-          <a:scrgbClr r="0" g="0" b="0"/>
-        </a:lnRef>
-        <a:fillRef idx="1">
-          <a:scrgbClr r="0" g="0" b="0"/>
-        </a:fillRef>
-        <a:effectRef idx="0">
-          <a:scrgbClr r="0" g="0" b="0"/>
-        </a:effectRef>
-        <a:fontRef idx="minor">
-          <a:schemeClr val="lt1"/>
-        </a:fontRef>
-      </dsp:style>
-      <dsp:txBody>
-        <a:bodyPr spcFirstLastPara="0" vert="horz" wrap="square" lIns="4445" tIns="4445" rIns="4445" bIns="4445" numCol="1" spcCol="1270" anchor="ctr" anchorCtr="0">
-          <a:noAutofit/>
-        </a:bodyPr>
-        <a:lstStyle/>
-        <a:p>
-          <a:pPr lvl="0" algn="ctr" defTabSz="311150">
-            <a:lnSpc>
-              <a:spcPct val="90000"/>
-            </a:lnSpc>
-            <a:spcBef>
-              <a:spcPct val="0"/>
-            </a:spcBef>
-            <a:spcAft>
-              <a:spcPct val="35000"/>
-            </a:spcAft>
-          </a:pPr>
-          <a:r>
-            <a:rPr lang="en-US" sz="700" kern="1200" dirty="0" smtClean="0"/>
-            <a:t>cl</a:t>
-          </a:r>
-          <a:endParaRPr lang="en-US" sz="700" kern="1200" dirty="0"/>
-        </a:p>
-      </dsp:txBody>
-      <dsp:txXfrm>
-        <a:off x="3563447" y="1750789"/>
-        <a:ext cx="595052" cy="288549"/>
-      </dsp:txXfrm>
-    </dsp:sp>
-    <dsp:sp modelId="{1BA16D76-E357-4454-9C2B-90F1BB393DED}">
-      <dsp:nvSpPr>
-        <dsp:cNvPr id="0" name=""/>
-        <dsp:cNvSpPr/>
-      </dsp:nvSpPr>
-      <dsp:spPr>
-        <a:xfrm rot="17350740">
-          <a:off x="3058677" y="2595269"/>
-          <a:ext cx="746383" cy="9503"/>
-        </a:xfrm>
-        <a:custGeom>
-          <a:avLst/>
-          <a:gdLst/>
-          <a:ahLst/>
-          <a:cxnLst/>
-          <a:rect l="0" t="0" r="0" b="0"/>
-          <a:pathLst>
-            <a:path>
-              <a:moveTo>
-                <a:pt x="0" y="4751"/>
-              </a:moveTo>
-              <a:lnTo>
-                <a:pt x="746383" y="4751"/>
-              </a:lnTo>
-            </a:path>
-          </a:pathLst>
-        </a:custGeom>
-        <a:noFill/>
-        <a:ln w="12700" cap="flat" cmpd="sng" algn="ctr">
-          <a:solidFill>
-            <a:schemeClr val="accent1">
-              <a:shade val="80000"/>
-              <a:hueOff val="0"/>
-              <a:satOff val="0"/>
-              <a:lumOff val="0"/>
-              <a:alphaOff val="0"/>
-            </a:schemeClr>
-          </a:solidFill>
-          <a:prstDash val="solid"/>
-          <a:miter lim="800000"/>
-        </a:ln>
-        <a:effectLst/>
-      </dsp:spPr>
-      <dsp:style>
-        <a:lnRef idx="2">
-          <a:scrgbClr r="0" g="0" b="0"/>
-        </a:lnRef>
-        <a:fillRef idx="0">
-          <a:scrgbClr r="0" g="0" b="0"/>
-        </a:fillRef>
-        <a:effectRef idx="0">
-          <a:scrgbClr r="0" g="0" b="0"/>
-        </a:effectRef>
-        <a:fontRef idx="minor"/>
-      </dsp:style>
-      <dsp:txBody>
-        <a:bodyPr spcFirstLastPara="0" vert="horz" wrap="square" lIns="12700" tIns="0" rIns="12700" bIns="0" numCol="1" spcCol="1270" anchor="ctr" anchorCtr="0">
-          <a:noAutofit/>
-        </a:bodyPr>
-        <a:lstStyle/>
-        <a:p>
-          <a:pPr lvl="0" algn="ctr" defTabSz="222250">
-            <a:lnSpc>
-              <a:spcPct val="90000"/>
-            </a:lnSpc>
-            <a:spcBef>
-              <a:spcPct val="0"/>
-            </a:spcBef>
-            <a:spcAft>
-              <a:spcPct val="35000"/>
-            </a:spcAft>
-          </a:pPr>
-          <a:endParaRPr lang="en-US" sz="500" kern="1200"/>
-        </a:p>
-      </dsp:txBody>
-      <dsp:txXfrm>
-        <a:off x="3413209" y="2581361"/>
-        <a:ext cx="37319" cy="37319"/>
-      </dsp:txXfrm>
-    </dsp:sp>
-    <dsp:sp modelId="{3939D5C9-28DB-4FCE-B4FB-B0F4C4A91AA1}">
-      <dsp:nvSpPr>
-        <dsp:cNvPr id="0" name=""/>
-        <dsp:cNvSpPr/>
-      </dsp:nvSpPr>
-      <dsp:spPr>
-        <a:xfrm>
-          <a:off x="3554470" y="2094291"/>
-          <a:ext cx="613006" cy="306503"/>
-        </a:xfrm>
-        <a:prstGeom prst="roundRect">
-          <a:avLst>
-            <a:gd name="adj" fmla="val 10000"/>
-          </a:avLst>
-        </a:prstGeom>
-        <a:solidFill>
-          <a:schemeClr val="accent1">
-            <a:hueOff val="0"/>
-            <a:satOff val="0"/>
-            <a:lumOff val="0"/>
-            <a:alphaOff val="0"/>
-          </a:schemeClr>
-        </a:solidFill>
-        <a:ln w="12700" cap="flat" cmpd="sng" algn="ctr">
-          <a:solidFill>
-            <a:schemeClr val="lt1">
-              <a:hueOff val="0"/>
-              <a:satOff val="0"/>
-              <a:lumOff val="0"/>
-              <a:alphaOff val="0"/>
-            </a:schemeClr>
-          </a:solidFill>
-          <a:prstDash val="solid"/>
-          <a:miter lim="800000"/>
-        </a:ln>
-        <a:effectLst/>
-      </dsp:spPr>
-      <dsp:style>
-        <a:lnRef idx="2">
-          <a:scrgbClr r="0" g="0" b="0"/>
-        </a:lnRef>
-        <a:fillRef idx="1">
-          <a:scrgbClr r="0" g="0" b="0"/>
-        </a:fillRef>
-        <a:effectRef idx="0">
-          <a:scrgbClr r="0" g="0" b="0"/>
-        </a:effectRef>
-        <a:fontRef idx="minor">
-          <a:schemeClr val="lt1"/>
-        </a:fontRef>
-      </dsp:style>
-      <dsp:txBody>
-        <a:bodyPr spcFirstLastPara="0" vert="horz" wrap="square" lIns="4445" tIns="4445" rIns="4445" bIns="4445" numCol="1" spcCol="1270" anchor="ctr" anchorCtr="0">
-          <a:noAutofit/>
-        </a:bodyPr>
-        <a:lstStyle/>
-        <a:p>
-          <a:pPr lvl="0" algn="ctr" defTabSz="311150">
-            <a:lnSpc>
-              <a:spcPct val="90000"/>
-            </a:lnSpc>
-            <a:spcBef>
-              <a:spcPct val="0"/>
-            </a:spcBef>
-            <a:spcAft>
-              <a:spcPct val="35000"/>
-            </a:spcAft>
-          </a:pPr>
-          <a:r>
-            <a:rPr lang="en-US" sz="700" kern="1200" dirty="0" err="1" smtClean="0"/>
-            <a:t>em</a:t>
-          </a:r>
-          <a:endParaRPr lang="en-US" sz="700" kern="1200" dirty="0"/>
-        </a:p>
-      </dsp:txBody>
-      <dsp:txXfrm>
-        <a:off x="3563447" y="2103268"/>
-        <a:ext cx="595052" cy="288549"/>
-      </dsp:txXfrm>
-    </dsp:sp>
-    <dsp:sp modelId="{22701E87-B43D-4719-8E83-94BA9A2DE157}">
-      <dsp:nvSpPr>
-        <dsp:cNvPr id="0" name=""/>
-        <dsp:cNvSpPr/>
-      </dsp:nvSpPr>
-      <dsp:spPr>
-        <a:xfrm rot="18289469">
-          <a:off x="3217180" y="2771508"/>
-          <a:ext cx="429377" cy="9503"/>
-        </a:xfrm>
-        <a:custGeom>
-          <a:avLst/>
-          <a:gdLst/>
-          <a:ahLst/>
-          <a:cxnLst/>
-          <a:rect l="0" t="0" r="0" b="0"/>
-          <a:pathLst>
-            <a:path>
-              <a:moveTo>
-                <a:pt x="0" y="4751"/>
-              </a:moveTo>
-              <a:lnTo>
-                <a:pt x="429377" y="4751"/>
-              </a:lnTo>
-            </a:path>
-          </a:pathLst>
-        </a:custGeom>
-        <a:noFill/>
-        <a:ln w="12700" cap="flat" cmpd="sng" algn="ctr">
-          <a:solidFill>
-            <a:schemeClr val="accent1">
-              <a:shade val="80000"/>
-              <a:hueOff val="0"/>
-              <a:satOff val="0"/>
-              <a:lumOff val="0"/>
-              <a:alphaOff val="0"/>
-            </a:schemeClr>
-          </a:solidFill>
-          <a:prstDash val="solid"/>
-          <a:miter lim="800000"/>
-        </a:ln>
-        <a:effectLst/>
-      </dsp:spPr>
-      <dsp:style>
-        <a:lnRef idx="2">
-          <a:scrgbClr r="0" g="0" b="0"/>
-        </a:lnRef>
-        <a:fillRef idx="0">
-          <a:scrgbClr r="0" g="0" b="0"/>
-        </a:fillRef>
-        <a:effectRef idx="0">
-          <a:scrgbClr r="0" g="0" b="0"/>
-        </a:effectRef>
-        <a:fontRef idx="minor"/>
-      </dsp:style>
-      <dsp:txBody>
-        <a:bodyPr spcFirstLastPara="0" vert="horz" wrap="square" lIns="12700" tIns="0" rIns="12700" bIns="0" numCol="1" spcCol="1270" anchor="ctr" anchorCtr="0">
-          <a:noAutofit/>
-        </a:bodyPr>
-        <a:lstStyle/>
-        <a:p>
-          <a:pPr lvl="0" algn="ctr" defTabSz="222250">
-            <a:lnSpc>
-              <a:spcPct val="90000"/>
-            </a:lnSpc>
-            <a:spcBef>
-              <a:spcPct val="0"/>
-            </a:spcBef>
-            <a:spcAft>
-              <a:spcPct val="35000"/>
-            </a:spcAft>
-          </a:pPr>
-          <a:endParaRPr lang="en-US" sz="500" kern="1200"/>
-        </a:p>
-      </dsp:txBody>
-      <dsp:txXfrm>
-        <a:off x="3421134" y="2765526"/>
-        <a:ext cx="21468" cy="21468"/>
-      </dsp:txXfrm>
-    </dsp:sp>
-    <dsp:sp modelId="{74CD85B9-C856-4DEF-A844-79C022466501}">
-      <dsp:nvSpPr>
-        <dsp:cNvPr id="0" name=""/>
-        <dsp:cNvSpPr/>
-      </dsp:nvSpPr>
-      <dsp:spPr>
-        <a:xfrm>
-          <a:off x="3554470" y="2446769"/>
-          <a:ext cx="613006" cy="306503"/>
-        </a:xfrm>
-        <a:prstGeom prst="roundRect">
-          <a:avLst>
-            <a:gd name="adj" fmla="val 10000"/>
-          </a:avLst>
-        </a:prstGeom>
-        <a:solidFill>
-          <a:schemeClr val="accent1">
-            <a:hueOff val="0"/>
-            <a:satOff val="0"/>
-            <a:lumOff val="0"/>
-            <a:alphaOff val="0"/>
-          </a:schemeClr>
-        </a:solidFill>
-        <a:ln w="12700" cap="flat" cmpd="sng" algn="ctr">
-          <a:solidFill>
-            <a:schemeClr val="lt1">
-              <a:hueOff val="0"/>
-              <a:satOff val="0"/>
-              <a:lumOff val="0"/>
-              <a:alphaOff val="0"/>
-            </a:schemeClr>
-          </a:solidFill>
-          <a:prstDash val="solid"/>
-          <a:miter lim="800000"/>
-        </a:ln>
-        <a:effectLst/>
-      </dsp:spPr>
-      <dsp:style>
-        <a:lnRef idx="2">
-          <a:scrgbClr r="0" g="0" b="0"/>
-        </a:lnRef>
-        <a:fillRef idx="1">
-          <a:scrgbClr r="0" g="0" b="0"/>
-        </a:fillRef>
-        <a:effectRef idx="0">
-          <a:scrgbClr r="0" g="0" b="0"/>
-        </a:effectRef>
-        <a:fontRef idx="minor">
-          <a:schemeClr val="lt1"/>
-        </a:fontRef>
-      </dsp:style>
-      <dsp:txBody>
-        <a:bodyPr spcFirstLastPara="0" vert="horz" wrap="square" lIns="4445" tIns="4445" rIns="4445" bIns="4445" numCol="1" spcCol="1270" anchor="ctr" anchorCtr="0">
-          <a:noAutofit/>
-        </a:bodyPr>
-        <a:lstStyle/>
-        <a:p>
-          <a:pPr lvl="0" algn="ctr" defTabSz="311150">
-            <a:lnSpc>
-              <a:spcPct val="90000"/>
-            </a:lnSpc>
-            <a:spcBef>
-              <a:spcPct val="0"/>
-            </a:spcBef>
-            <a:spcAft>
-              <a:spcPct val="35000"/>
-            </a:spcAft>
-          </a:pPr>
-          <a:r>
-            <a:rPr lang="en-US" sz="700" kern="1200" dirty="0" err="1" smtClean="0"/>
-            <a:t>fasta</a:t>
-          </a:r>
-          <a:endParaRPr lang="en-US" sz="700" kern="1200" dirty="0"/>
-        </a:p>
-      </dsp:txBody>
-      <dsp:txXfrm>
-        <a:off x="3563447" y="2455746"/>
-        <a:ext cx="595052" cy="288549"/>
-      </dsp:txXfrm>
-    </dsp:sp>
-    <dsp:sp modelId="{7624216E-6707-4E48-B0D3-1F3549EFCC8E}">
-      <dsp:nvSpPr>
-        <dsp:cNvPr id="0" name=""/>
-        <dsp:cNvSpPr/>
-      </dsp:nvSpPr>
-      <dsp:spPr>
-        <a:xfrm>
-          <a:off x="3309268" y="2947748"/>
-          <a:ext cx="245202" cy="9503"/>
-        </a:xfrm>
-        <a:custGeom>
-          <a:avLst/>
-          <a:gdLst/>
-          <a:ahLst/>
-          <a:cxnLst/>
-          <a:rect l="0" t="0" r="0" b="0"/>
-          <a:pathLst>
-            <a:path>
-              <a:moveTo>
-                <a:pt x="0" y="4751"/>
-              </a:moveTo>
-              <a:lnTo>
-                <a:pt x="245202" y="4751"/>
-              </a:lnTo>
-            </a:path>
-          </a:pathLst>
-        </a:custGeom>
-        <a:noFill/>
-        <a:ln w="12700" cap="flat" cmpd="sng" algn="ctr">
-          <a:solidFill>
-            <a:schemeClr val="accent1">
-              <a:shade val="80000"/>
-              <a:hueOff val="0"/>
-              <a:satOff val="0"/>
-              <a:lumOff val="0"/>
-              <a:alphaOff val="0"/>
-            </a:schemeClr>
-          </a:solidFill>
-          <a:prstDash val="solid"/>
-          <a:miter lim="800000"/>
-        </a:ln>
-        <a:effectLst/>
-      </dsp:spPr>
-      <dsp:style>
-        <a:lnRef idx="2">
-          <a:scrgbClr r="0" g="0" b="0"/>
-        </a:lnRef>
-        <a:fillRef idx="0">
-          <a:scrgbClr r="0" g="0" b="0"/>
-        </a:fillRef>
-        <a:effectRef idx="0">
-          <a:scrgbClr r="0" g="0" b="0"/>
-        </a:effectRef>
-        <a:fontRef idx="minor"/>
-      </dsp:style>
-      <dsp:txBody>
-        <a:bodyPr spcFirstLastPara="0" vert="horz" wrap="square" lIns="12700" tIns="0" rIns="12700" bIns="0" numCol="1" spcCol="1270" anchor="ctr" anchorCtr="0">
-          <a:noAutofit/>
-        </a:bodyPr>
-        <a:lstStyle/>
-        <a:p>
-          <a:pPr lvl="0" algn="ctr" defTabSz="222250">
-            <a:lnSpc>
-              <a:spcPct val="90000"/>
-            </a:lnSpc>
-            <a:spcBef>
-              <a:spcPct val="0"/>
-            </a:spcBef>
-            <a:spcAft>
-              <a:spcPct val="35000"/>
-            </a:spcAft>
-          </a:pPr>
-          <a:endParaRPr lang="en-US" sz="500" kern="1200"/>
-        </a:p>
-      </dsp:txBody>
-      <dsp:txXfrm>
-        <a:off x="3425739" y="2946369"/>
-        <a:ext cx="12260" cy="12260"/>
-      </dsp:txXfrm>
-    </dsp:sp>
-    <dsp:sp modelId="{845564B8-CF2D-432A-80C0-6E3220C770C0}">
-      <dsp:nvSpPr>
-        <dsp:cNvPr id="0" name=""/>
-        <dsp:cNvSpPr/>
-      </dsp:nvSpPr>
-      <dsp:spPr>
-        <a:xfrm>
-          <a:off x="3554470" y="2799248"/>
-          <a:ext cx="613006" cy="306503"/>
-        </a:xfrm>
-        <a:prstGeom prst="roundRect">
-          <a:avLst>
-            <a:gd name="adj" fmla="val 10000"/>
-          </a:avLst>
-        </a:prstGeom>
-        <a:solidFill>
-          <a:schemeClr val="accent1">
-            <a:hueOff val="0"/>
-            <a:satOff val="0"/>
-            <a:lumOff val="0"/>
-            <a:alphaOff val="0"/>
-          </a:schemeClr>
-        </a:solidFill>
-        <a:ln w="12700" cap="flat" cmpd="sng" algn="ctr">
-          <a:solidFill>
-            <a:schemeClr val="lt1">
-              <a:hueOff val="0"/>
-              <a:satOff val="0"/>
-              <a:lumOff val="0"/>
-              <a:alphaOff val="0"/>
-            </a:schemeClr>
-          </a:solidFill>
-          <a:prstDash val="solid"/>
-          <a:miter lim="800000"/>
-        </a:ln>
-        <a:effectLst/>
-      </dsp:spPr>
-      <dsp:style>
-        <a:lnRef idx="2">
-          <a:scrgbClr r="0" g="0" b="0"/>
-        </a:lnRef>
-        <a:fillRef idx="1">
-          <a:scrgbClr r="0" g="0" b="0"/>
-        </a:fillRef>
-        <a:effectRef idx="0">
-          <a:scrgbClr r="0" g="0" b="0"/>
-        </a:effectRef>
-        <a:fontRef idx="minor">
-          <a:schemeClr val="lt1"/>
-        </a:fontRef>
-      </dsp:style>
-      <dsp:txBody>
-        <a:bodyPr spcFirstLastPara="0" vert="horz" wrap="square" lIns="4445" tIns="4445" rIns="4445" bIns="4445" numCol="1" spcCol="1270" anchor="ctr" anchorCtr="0">
-          <a:noAutofit/>
-        </a:bodyPr>
-        <a:lstStyle/>
-        <a:p>
-          <a:pPr lvl="0" algn="ctr" defTabSz="311150">
-            <a:lnSpc>
-              <a:spcPct val="90000"/>
-            </a:lnSpc>
-            <a:spcBef>
-              <a:spcPct val="0"/>
-            </a:spcBef>
-            <a:spcAft>
-              <a:spcPct val="35000"/>
-            </a:spcAft>
-          </a:pPr>
-          <a:r>
-            <a:rPr lang="en-US" sz="700" kern="1200" dirty="0" err="1" smtClean="0"/>
-            <a:t>hx</a:t>
-          </a:r>
-          <a:endParaRPr lang="en-US" sz="700" kern="1200" dirty="0"/>
-        </a:p>
-      </dsp:txBody>
-      <dsp:txXfrm>
-        <a:off x="3563447" y="2808225"/>
-        <a:ext cx="595052" cy="288549"/>
-      </dsp:txXfrm>
-    </dsp:sp>
-    <dsp:sp modelId="{860A121A-0263-4EDE-BC63-2DE2DCC7236F}">
-      <dsp:nvSpPr>
-        <dsp:cNvPr id="0" name=""/>
-        <dsp:cNvSpPr/>
-      </dsp:nvSpPr>
-      <dsp:spPr>
-        <a:xfrm rot="3310531">
-          <a:off x="3217180" y="3123987"/>
-          <a:ext cx="429377" cy="9503"/>
-        </a:xfrm>
-        <a:custGeom>
-          <a:avLst/>
-          <a:gdLst/>
-          <a:ahLst/>
-          <a:cxnLst/>
-          <a:rect l="0" t="0" r="0" b="0"/>
-          <a:pathLst>
-            <a:path>
-              <a:moveTo>
-                <a:pt x="0" y="4751"/>
-              </a:moveTo>
-              <a:lnTo>
-                <a:pt x="429377" y="4751"/>
-              </a:lnTo>
-            </a:path>
-          </a:pathLst>
-        </a:custGeom>
-        <a:noFill/>
-        <a:ln w="12700" cap="flat" cmpd="sng" algn="ctr">
-          <a:solidFill>
-            <a:schemeClr val="accent1">
-              <a:shade val="80000"/>
-              <a:hueOff val="0"/>
-              <a:satOff val="0"/>
-              <a:lumOff val="0"/>
-              <a:alphaOff val="0"/>
-            </a:schemeClr>
-          </a:solidFill>
-          <a:prstDash val="solid"/>
-          <a:miter lim="800000"/>
-        </a:ln>
-        <a:effectLst/>
-      </dsp:spPr>
-      <dsp:style>
-        <a:lnRef idx="2">
-          <a:scrgbClr r="0" g="0" b="0"/>
-        </a:lnRef>
-        <a:fillRef idx="0">
-          <a:scrgbClr r="0" g="0" b="0"/>
-        </a:fillRef>
-        <a:effectRef idx="0">
-          <a:scrgbClr r="0" g="0" b="0"/>
-        </a:effectRef>
-        <a:fontRef idx="minor"/>
-      </dsp:style>
-      <dsp:txBody>
-        <a:bodyPr spcFirstLastPara="0" vert="horz" wrap="square" lIns="12700" tIns="0" rIns="12700" bIns="0" numCol="1" spcCol="1270" anchor="ctr" anchorCtr="0">
-          <a:noAutofit/>
-        </a:bodyPr>
-        <a:lstStyle/>
-        <a:p>
-          <a:pPr lvl="0" algn="ctr" defTabSz="222250">
-            <a:lnSpc>
-              <a:spcPct val="90000"/>
-            </a:lnSpc>
-            <a:spcBef>
-              <a:spcPct val="0"/>
-            </a:spcBef>
-            <a:spcAft>
-              <a:spcPct val="35000"/>
-            </a:spcAft>
-          </a:pPr>
-          <a:endParaRPr lang="en-US" sz="500" kern="1200"/>
-        </a:p>
-      </dsp:txBody>
-      <dsp:txXfrm>
-        <a:off x="3421134" y="3118004"/>
-        <a:ext cx="21468" cy="21468"/>
-      </dsp:txXfrm>
-    </dsp:sp>
-    <dsp:sp modelId="{4AE7A689-72EA-48BB-95E1-C1B4A774D6ED}">
-      <dsp:nvSpPr>
-        <dsp:cNvPr id="0" name=""/>
-        <dsp:cNvSpPr/>
-      </dsp:nvSpPr>
-      <dsp:spPr>
-        <a:xfrm>
-          <a:off x="3554470" y="3151726"/>
-          <a:ext cx="613006" cy="306503"/>
-        </a:xfrm>
-        <a:prstGeom prst="roundRect">
-          <a:avLst>
-            <a:gd name="adj" fmla="val 10000"/>
-          </a:avLst>
-        </a:prstGeom>
-        <a:solidFill>
-          <a:schemeClr val="accent1">
-            <a:hueOff val="0"/>
-            <a:satOff val="0"/>
-            <a:lumOff val="0"/>
-            <a:alphaOff val="0"/>
-          </a:schemeClr>
-        </a:solidFill>
-        <a:ln w="12700" cap="flat" cmpd="sng" algn="ctr">
-          <a:solidFill>
-            <a:schemeClr val="lt1">
-              <a:hueOff val="0"/>
-              <a:satOff val="0"/>
-              <a:lumOff val="0"/>
-              <a:alphaOff val="0"/>
-            </a:schemeClr>
-          </a:solidFill>
-          <a:prstDash val="solid"/>
-          <a:miter lim="800000"/>
-        </a:ln>
-        <a:effectLst/>
-      </dsp:spPr>
-      <dsp:style>
-        <a:lnRef idx="2">
-          <a:scrgbClr r="0" g="0" b="0"/>
-        </a:lnRef>
-        <a:fillRef idx="1">
-          <a:scrgbClr r="0" g="0" b="0"/>
-        </a:fillRef>
-        <a:effectRef idx="0">
-          <a:scrgbClr r="0" g="0" b="0"/>
-        </a:effectRef>
-        <a:fontRef idx="minor">
-          <a:schemeClr val="lt1"/>
-        </a:fontRef>
-      </dsp:style>
-      <dsp:txBody>
-        <a:bodyPr spcFirstLastPara="0" vert="horz" wrap="square" lIns="4445" tIns="4445" rIns="4445" bIns="4445" numCol="1" spcCol="1270" anchor="ctr" anchorCtr="0">
-          <a:noAutofit/>
-        </a:bodyPr>
-        <a:lstStyle/>
-        <a:p>
-          <a:pPr lvl="0" algn="ctr" defTabSz="311150">
-            <a:lnSpc>
-              <a:spcPct val="90000"/>
-            </a:lnSpc>
-            <a:spcBef>
-              <a:spcPct val="0"/>
-            </a:spcBef>
-            <a:spcAft>
-              <a:spcPct val="35000"/>
-            </a:spcAft>
-          </a:pPr>
-          <a:r>
-            <a:rPr lang="en-US" sz="700" kern="1200" dirty="0" smtClean="0"/>
-            <a:t>topo</a:t>
-          </a:r>
-          <a:endParaRPr lang="en-US" sz="700" kern="1200" dirty="0"/>
-        </a:p>
-      </dsp:txBody>
-      <dsp:txXfrm>
-        <a:off x="3563447" y="3160703"/>
-        <a:ext cx="595052" cy="288549"/>
-      </dsp:txXfrm>
-    </dsp:sp>
-    <dsp:sp modelId="{7F0926FB-8436-4235-B8E6-0F3F809AEC45}">
-      <dsp:nvSpPr>
-        <dsp:cNvPr id="0" name=""/>
-        <dsp:cNvSpPr/>
-      </dsp:nvSpPr>
-      <dsp:spPr>
-        <a:xfrm>
-          <a:off x="4167476" y="3300226"/>
-          <a:ext cx="245202" cy="9503"/>
-        </a:xfrm>
-        <a:custGeom>
-          <a:avLst/>
-          <a:gdLst/>
-          <a:ahLst/>
-          <a:cxnLst/>
-          <a:rect l="0" t="0" r="0" b="0"/>
-          <a:pathLst>
-            <a:path>
-              <a:moveTo>
-                <a:pt x="0" y="4751"/>
-              </a:moveTo>
-              <a:lnTo>
-                <a:pt x="245202" y="4751"/>
-              </a:lnTo>
-            </a:path>
-          </a:pathLst>
-        </a:custGeom>
-        <a:noFill/>
-        <a:ln w="12700" cap="flat" cmpd="sng" algn="ctr">
-          <a:solidFill>
-            <a:schemeClr val="accent1">
-              <a:shade val="80000"/>
-              <a:hueOff val="0"/>
-              <a:satOff val="0"/>
-              <a:lumOff val="0"/>
-              <a:alphaOff val="0"/>
-            </a:schemeClr>
-          </a:solidFill>
-          <a:prstDash val="solid"/>
-          <a:miter lim="800000"/>
-        </a:ln>
-        <a:effectLst/>
-      </dsp:spPr>
-      <dsp:style>
-        <a:lnRef idx="2">
-          <a:scrgbClr r="0" g="0" b="0"/>
-        </a:lnRef>
-        <a:fillRef idx="0">
-          <a:scrgbClr r="0" g="0" b="0"/>
-        </a:fillRef>
-        <a:effectRef idx="0">
-          <a:scrgbClr r="0" g="0" b="0"/>
-        </a:effectRef>
-        <a:fontRef idx="minor"/>
-      </dsp:style>
-      <dsp:txBody>
-        <a:bodyPr spcFirstLastPara="0" vert="horz" wrap="square" lIns="12700" tIns="0" rIns="12700" bIns="0" numCol="1" spcCol="1270" anchor="ctr" anchorCtr="0">
-          <a:noAutofit/>
-        </a:bodyPr>
-        <a:lstStyle/>
-        <a:p>
-          <a:pPr lvl="0" algn="ctr" defTabSz="222250">
-            <a:lnSpc>
-              <a:spcPct val="90000"/>
-            </a:lnSpc>
-            <a:spcBef>
-              <a:spcPct val="0"/>
-            </a:spcBef>
-            <a:spcAft>
-              <a:spcPct val="35000"/>
-            </a:spcAft>
-          </a:pPr>
-          <a:endParaRPr lang="en-US" sz="500" kern="1200"/>
-        </a:p>
-      </dsp:txBody>
-      <dsp:txXfrm>
-        <a:off x="4283947" y="3298848"/>
-        <a:ext cx="12260" cy="12260"/>
-      </dsp:txXfrm>
-    </dsp:sp>
-    <dsp:sp modelId="{AABB0F83-261E-45AD-B1D2-A2559DD57DDB}">
-      <dsp:nvSpPr>
-        <dsp:cNvPr id="0" name=""/>
-        <dsp:cNvSpPr/>
-      </dsp:nvSpPr>
-      <dsp:spPr>
-        <a:xfrm>
-          <a:off x="4412679" y="3151726"/>
-          <a:ext cx="613006" cy="306503"/>
-        </a:xfrm>
-        <a:prstGeom prst="roundRect">
-          <a:avLst>
-            <a:gd name="adj" fmla="val 10000"/>
-          </a:avLst>
-        </a:prstGeom>
-        <a:solidFill>
-          <a:schemeClr val="accent1">
-            <a:hueOff val="0"/>
-            <a:satOff val="0"/>
-            <a:lumOff val="0"/>
-            <a:alphaOff val="0"/>
-          </a:schemeClr>
-        </a:solidFill>
-        <a:ln w="12700" cap="flat" cmpd="sng" algn="ctr">
-          <a:solidFill>
-            <a:schemeClr val="lt1">
-              <a:hueOff val="0"/>
-              <a:satOff val="0"/>
-              <a:lumOff val="0"/>
-              <a:alphaOff val="0"/>
-            </a:schemeClr>
-          </a:solidFill>
-          <a:prstDash val="solid"/>
-          <a:miter lim="800000"/>
-        </a:ln>
-        <a:effectLst/>
-      </dsp:spPr>
-      <dsp:style>
-        <a:lnRef idx="2">
-          <a:scrgbClr r="0" g="0" b="0"/>
-        </a:lnRef>
-        <a:fillRef idx="1">
-          <a:scrgbClr r="0" g="0" b="0"/>
-        </a:fillRef>
-        <a:effectRef idx="0">
-          <a:scrgbClr r="0" g="0" b="0"/>
-        </a:effectRef>
-        <a:fontRef idx="minor">
-          <a:schemeClr val="lt1"/>
-        </a:fontRef>
-      </dsp:style>
-      <dsp:txBody>
-        <a:bodyPr spcFirstLastPara="0" vert="horz" wrap="square" lIns="4445" tIns="4445" rIns="4445" bIns="4445" numCol="1" spcCol="1270" anchor="ctr" anchorCtr="0">
-          <a:noAutofit/>
-        </a:bodyPr>
-        <a:lstStyle/>
-        <a:p>
-          <a:pPr lvl="0" algn="ctr" defTabSz="311150">
-            <a:lnSpc>
-              <a:spcPct val="90000"/>
-            </a:lnSpc>
-            <a:spcBef>
-              <a:spcPct val="0"/>
-            </a:spcBef>
-            <a:spcAft>
-              <a:spcPct val="35000"/>
-            </a:spcAft>
-          </a:pPr>
-          <a:r>
-            <a:rPr lang="en-US" sz="700" kern="1200" dirty="0" smtClean="0"/>
-            <a:t>Topology.txt</a:t>
-          </a:r>
-          <a:endParaRPr lang="en-US" sz="700" kern="1200" dirty="0"/>
-        </a:p>
-      </dsp:txBody>
-      <dsp:txXfrm>
-        <a:off x="4421656" y="3160703"/>
-        <a:ext cx="595052" cy="288549"/>
-      </dsp:txXfrm>
-    </dsp:sp>
-    <dsp:sp modelId="{74EC96BD-B022-40A9-9CFD-7E0120C7DB97}">
-      <dsp:nvSpPr>
-        <dsp:cNvPr id="0" name=""/>
-        <dsp:cNvSpPr/>
-      </dsp:nvSpPr>
-      <dsp:spPr>
-        <a:xfrm rot="4249260">
-          <a:off x="3058677" y="3300226"/>
-          <a:ext cx="746383" cy="9503"/>
-        </a:xfrm>
-        <a:custGeom>
-          <a:avLst/>
-          <a:gdLst/>
-          <a:ahLst/>
-          <a:cxnLst/>
-          <a:rect l="0" t="0" r="0" b="0"/>
-          <a:pathLst>
-            <a:path>
-              <a:moveTo>
-                <a:pt x="0" y="4751"/>
-              </a:moveTo>
-              <a:lnTo>
-                <a:pt x="746383" y="4751"/>
-              </a:lnTo>
-            </a:path>
-          </a:pathLst>
-        </a:custGeom>
-        <a:noFill/>
-        <a:ln w="12700" cap="flat" cmpd="sng" algn="ctr">
-          <a:solidFill>
-            <a:schemeClr val="accent1">
-              <a:shade val="80000"/>
-              <a:hueOff val="0"/>
-              <a:satOff val="0"/>
-              <a:lumOff val="0"/>
-              <a:alphaOff val="0"/>
-            </a:schemeClr>
-          </a:solidFill>
-          <a:prstDash val="solid"/>
-          <a:miter lim="800000"/>
-        </a:ln>
-        <a:effectLst/>
-      </dsp:spPr>
-      <dsp:style>
-        <a:lnRef idx="2">
-          <a:scrgbClr r="0" g="0" b="0"/>
-        </a:lnRef>
-        <a:fillRef idx="0">
-          <a:scrgbClr r="0" g="0" b="0"/>
-        </a:fillRef>
-        <a:effectRef idx="0">
-          <a:scrgbClr r="0" g="0" b="0"/>
-        </a:effectRef>
-        <a:fontRef idx="minor"/>
-      </dsp:style>
-      <dsp:txBody>
-        <a:bodyPr spcFirstLastPara="0" vert="horz" wrap="square" lIns="12700" tIns="0" rIns="12700" bIns="0" numCol="1" spcCol="1270" anchor="ctr" anchorCtr="0">
-          <a:noAutofit/>
-        </a:bodyPr>
-        <a:lstStyle/>
-        <a:p>
-          <a:pPr lvl="0" algn="ctr" defTabSz="222250">
-            <a:lnSpc>
-              <a:spcPct val="90000"/>
-            </a:lnSpc>
-            <a:spcBef>
-              <a:spcPct val="0"/>
-            </a:spcBef>
-            <a:spcAft>
-              <a:spcPct val="35000"/>
-            </a:spcAft>
-          </a:pPr>
-          <a:endParaRPr lang="en-US" sz="500" kern="1200"/>
-        </a:p>
-      </dsp:txBody>
-      <dsp:txXfrm>
-        <a:off x="3413209" y="3286318"/>
-        <a:ext cx="37319" cy="37319"/>
-      </dsp:txXfrm>
-    </dsp:sp>
-    <dsp:sp modelId="{ADED35BE-DBAD-4064-9BDD-39466C28AEAE}">
-      <dsp:nvSpPr>
-        <dsp:cNvPr id="0" name=""/>
-        <dsp:cNvSpPr/>
-      </dsp:nvSpPr>
-      <dsp:spPr>
-        <a:xfrm>
-          <a:off x="3554470" y="3504205"/>
-          <a:ext cx="613006" cy="306503"/>
-        </a:xfrm>
-        <a:prstGeom prst="roundRect">
-          <a:avLst>
-            <a:gd name="adj" fmla="val 10000"/>
-          </a:avLst>
-        </a:prstGeom>
-        <a:solidFill>
-          <a:schemeClr val="accent1">
-            <a:hueOff val="0"/>
-            <a:satOff val="0"/>
-            <a:lumOff val="0"/>
-            <a:alphaOff val="0"/>
-          </a:schemeClr>
-        </a:solidFill>
-        <a:ln w="12700" cap="flat" cmpd="sng" algn="ctr">
-          <a:solidFill>
-            <a:schemeClr val="lt1">
-              <a:hueOff val="0"/>
-              <a:satOff val="0"/>
-              <a:lumOff val="0"/>
-              <a:alphaOff val="0"/>
-            </a:schemeClr>
-          </a:solidFill>
-          <a:prstDash val="solid"/>
-          <a:miter lim="800000"/>
-        </a:ln>
-        <a:effectLst/>
-      </dsp:spPr>
-      <dsp:style>
-        <a:lnRef idx="2">
-          <a:scrgbClr r="0" g="0" b="0"/>
-        </a:lnRef>
-        <a:fillRef idx="1">
-          <a:scrgbClr r="0" g="0" b="0"/>
-        </a:fillRef>
-        <a:effectRef idx="0">
-          <a:scrgbClr r="0" g="0" b="0"/>
-        </a:effectRef>
-        <a:fontRef idx="minor">
-          <a:schemeClr val="lt1"/>
-        </a:fontRef>
-      </dsp:style>
-      <dsp:txBody>
-        <a:bodyPr spcFirstLastPara="0" vert="horz" wrap="square" lIns="4445" tIns="4445" rIns="4445" bIns="4445" numCol="1" spcCol="1270" anchor="ctr" anchorCtr="0">
-          <a:noAutofit/>
-        </a:bodyPr>
-        <a:lstStyle/>
-        <a:p>
-          <a:pPr lvl="0" algn="ctr" defTabSz="311150">
-            <a:lnSpc>
-              <a:spcPct val="90000"/>
-            </a:lnSpc>
-            <a:spcBef>
-              <a:spcPct val="0"/>
-            </a:spcBef>
-            <a:spcAft>
-              <a:spcPct val="35000"/>
-            </a:spcAft>
-          </a:pPr>
-          <a:r>
-            <a:rPr lang="en-US" sz="700" kern="1200" dirty="0" smtClean="0"/>
-            <a:t>xl</a:t>
-          </a:r>
-          <a:endParaRPr lang="en-US" sz="700" kern="1200" dirty="0"/>
-        </a:p>
-      </dsp:txBody>
-      <dsp:txXfrm>
-        <a:off x="3563447" y="3513182"/>
-        <a:ext cx="595052" cy="288549"/>
-      </dsp:txXfrm>
-    </dsp:sp>
-    <dsp:sp modelId="{35D9BBBE-7751-4342-82E1-3C2E414E90C5}">
-      <dsp:nvSpPr>
-        <dsp:cNvPr id="0" name=""/>
-        <dsp:cNvSpPr/>
-      </dsp:nvSpPr>
-      <dsp:spPr>
-        <a:xfrm rot="4616685">
-          <a:off x="2889122" y="3476465"/>
-          <a:ext cx="1085492" cy="9503"/>
-        </a:xfrm>
-        <a:custGeom>
-          <a:avLst/>
-          <a:gdLst/>
-          <a:ahLst/>
-          <a:cxnLst/>
-          <a:rect l="0" t="0" r="0" b="0"/>
-          <a:pathLst>
-            <a:path>
-              <a:moveTo>
-                <a:pt x="0" y="4751"/>
-              </a:moveTo>
-              <a:lnTo>
-                <a:pt x="1085492" y="4751"/>
-              </a:lnTo>
-            </a:path>
-          </a:pathLst>
-        </a:custGeom>
-        <a:noFill/>
-        <a:ln w="12700" cap="flat" cmpd="sng" algn="ctr">
-          <a:solidFill>
-            <a:schemeClr val="accent1">
-              <a:shade val="80000"/>
-              <a:hueOff val="0"/>
-              <a:satOff val="0"/>
-              <a:lumOff val="0"/>
-              <a:alphaOff val="0"/>
-            </a:schemeClr>
-          </a:solidFill>
-          <a:prstDash val="solid"/>
-          <a:miter lim="800000"/>
-        </a:ln>
-        <a:effectLst/>
-      </dsp:spPr>
-      <dsp:style>
-        <a:lnRef idx="2">
-          <a:scrgbClr r="0" g="0" b="0"/>
-        </a:lnRef>
-        <a:fillRef idx="0">
-          <a:scrgbClr r="0" g="0" b="0"/>
-        </a:fillRef>
-        <a:effectRef idx="0">
-          <a:scrgbClr r="0" g="0" b="0"/>
-        </a:effectRef>
-        <a:fontRef idx="minor"/>
-      </dsp:style>
-      <dsp:txBody>
-        <a:bodyPr spcFirstLastPara="0" vert="horz" wrap="square" lIns="12700" tIns="0" rIns="12700" bIns="0" numCol="1" spcCol="1270" anchor="ctr" anchorCtr="0">
-          <a:noAutofit/>
-        </a:bodyPr>
-        <a:lstStyle/>
-        <a:p>
-          <a:pPr lvl="0" algn="ctr" defTabSz="222250">
-            <a:lnSpc>
-              <a:spcPct val="90000"/>
-            </a:lnSpc>
-            <a:spcBef>
-              <a:spcPct val="0"/>
-            </a:spcBef>
-            <a:spcAft>
-              <a:spcPct val="35000"/>
-            </a:spcAft>
-          </a:pPr>
-          <a:endParaRPr lang="en-US" sz="500" kern="1200"/>
-        </a:p>
-      </dsp:txBody>
-      <dsp:txXfrm>
-        <a:off x="3404731" y="3454080"/>
-        <a:ext cx="54274" cy="54274"/>
-      </dsp:txXfrm>
-    </dsp:sp>
-    <dsp:sp modelId="{3A7F2547-E059-4BB1-84E2-4987E28653EE}">
-      <dsp:nvSpPr>
-        <dsp:cNvPr id="0" name=""/>
-        <dsp:cNvSpPr/>
-      </dsp:nvSpPr>
-      <dsp:spPr>
-        <a:xfrm>
-          <a:off x="3554470" y="3856683"/>
-          <a:ext cx="613006" cy="306503"/>
-        </a:xfrm>
-        <a:prstGeom prst="roundRect">
-          <a:avLst>
-            <a:gd name="adj" fmla="val 10000"/>
-          </a:avLst>
-        </a:prstGeom>
-        <a:solidFill>
-          <a:schemeClr val="accent1">
-            <a:hueOff val="0"/>
-            <a:satOff val="0"/>
-            <a:lumOff val="0"/>
-            <a:alphaOff val="0"/>
-          </a:schemeClr>
-        </a:solidFill>
-        <a:ln w="12700" cap="flat" cmpd="sng" algn="ctr">
-          <a:solidFill>
-            <a:schemeClr val="lt1">
-              <a:hueOff val="0"/>
-              <a:satOff val="0"/>
-              <a:lumOff val="0"/>
-              <a:alphaOff val="0"/>
-            </a:schemeClr>
-          </a:solidFill>
-          <a:prstDash val="solid"/>
-          <a:miter lim="800000"/>
-        </a:ln>
-        <a:effectLst/>
-      </dsp:spPr>
-      <dsp:style>
-        <a:lnRef idx="2">
-          <a:scrgbClr r="0" g="0" b="0"/>
-        </a:lnRef>
-        <a:fillRef idx="1">
-          <a:scrgbClr r="0" g="0" b="0"/>
-        </a:fillRef>
-        <a:effectRef idx="0">
-          <a:scrgbClr r="0" g="0" b="0"/>
-        </a:effectRef>
-        <a:fontRef idx="minor">
-          <a:schemeClr val="lt1"/>
-        </a:fontRef>
-      </dsp:style>
-      <dsp:txBody>
-        <a:bodyPr spcFirstLastPara="0" vert="horz" wrap="square" lIns="4445" tIns="4445" rIns="4445" bIns="4445" numCol="1" spcCol="1270" anchor="ctr" anchorCtr="0">
-          <a:noAutofit/>
-        </a:bodyPr>
-        <a:lstStyle/>
-        <a:p>
-          <a:pPr lvl="0" algn="ctr" defTabSz="311150">
-            <a:lnSpc>
-              <a:spcPct val="90000"/>
-            </a:lnSpc>
-            <a:spcBef>
-              <a:spcPct val="0"/>
-            </a:spcBef>
-            <a:spcAft>
-              <a:spcPct val="35000"/>
-            </a:spcAft>
-          </a:pPr>
-          <a:r>
-            <a:rPr lang="en-US" sz="700" kern="1200" dirty="0" err="1" smtClean="0"/>
-            <a:t>xtal</a:t>
-          </a:r>
-          <a:endParaRPr lang="en-US" sz="700" kern="1200" dirty="0"/>
-        </a:p>
-      </dsp:txBody>
-      <dsp:txXfrm>
-        <a:off x="3563447" y="3865660"/>
-        <a:ext cx="595052" cy="288549"/>
-      </dsp:txXfrm>
-    </dsp:sp>
-    <dsp:sp modelId="{4C7A6E00-DBC1-4C27-8903-0DED48F1AC64}">
-      <dsp:nvSpPr>
-        <dsp:cNvPr id="0" name=""/>
-        <dsp:cNvSpPr/>
-      </dsp:nvSpPr>
-      <dsp:spPr>
-        <a:xfrm rot="4548241">
-          <a:off x="2073736" y="4401722"/>
-          <a:ext cx="999848" cy="9503"/>
-        </a:xfrm>
-        <a:custGeom>
-          <a:avLst/>
-          <a:gdLst/>
-          <a:ahLst/>
-          <a:cxnLst/>
-          <a:rect l="0" t="0" r="0" b="0"/>
-          <a:pathLst>
-            <a:path>
-              <a:moveTo>
-                <a:pt x="0" y="4751"/>
-              </a:moveTo>
-              <a:lnTo>
-                <a:pt x="999848" y="4751"/>
-              </a:lnTo>
-            </a:path>
-          </a:pathLst>
-        </a:custGeom>
-        <a:noFill/>
-        <a:ln w="12700" cap="flat" cmpd="sng" algn="ctr">
-          <a:solidFill>
-            <a:schemeClr val="accent1">
-              <a:shade val="60000"/>
-              <a:hueOff val="0"/>
-              <a:satOff val="0"/>
-              <a:lumOff val="0"/>
-              <a:alphaOff val="0"/>
-            </a:schemeClr>
-          </a:solidFill>
-          <a:prstDash val="solid"/>
-          <a:miter lim="800000"/>
-        </a:ln>
-        <a:effectLst/>
-      </dsp:spPr>
-      <dsp:style>
-        <a:lnRef idx="2">
-          <a:scrgbClr r="0" g="0" b="0"/>
-        </a:lnRef>
-        <a:fillRef idx="0">
-          <a:scrgbClr r="0" g="0" b="0"/>
-        </a:fillRef>
-        <a:effectRef idx="0">
-          <a:scrgbClr r="0" g="0" b="0"/>
-        </a:effectRef>
-        <a:fontRef idx="minor"/>
-      </dsp:style>
-      <dsp:txBody>
-        <a:bodyPr spcFirstLastPara="0" vert="horz" wrap="square" lIns="12700" tIns="0" rIns="12700" bIns="0" numCol="1" spcCol="1270" anchor="ctr" anchorCtr="0">
-          <a:noAutofit/>
-        </a:bodyPr>
-        <a:lstStyle/>
-        <a:p>
-          <a:pPr lvl="0" algn="ctr" defTabSz="222250">
-            <a:lnSpc>
-              <a:spcPct val="90000"/>
-            </a:lnSpc>
-            <a:spcBef>
-              <a:spcPct val="0"/>
-            </a:spcBef>
-            <a:spcAft>
-              <a:spcPct val="35000"/>
-            </a:spcAft>
-          </a:pPr>
-          <a:endParaRPr lang="en-US" sz="500" kern="1200"/>
-        </a:p>
-      </dsp:txBody>
-      <dsp:txXfrm>
-        <a:off x="2548664" y="4381477"/>
-        <a:ext cx="49992" cy="49992"/>
-      </dsp:txXfrm>
-    </dsp:sp>
-    <dsp:sp modelId="{5135BF8D-7815-418C-BDA4-EF4C191FE25D}">
-      <dsp:nvSpPr>
-        <dsp:cNvPr id="0" name=""/>
-        <dsp:cNvSpPr/>
-      </dsp:nvSpPr>
-      <dsp:spPr>
-        <a:xfrm>
-          <a:off x="2696261" y="4737880"/>
-          <a:ext cx="613006" cy="306503"/>
-        </a:xfrm>
-        <a:prstGeom prst="roundRect">
-          <a:avLst>
-            <a:gd name="adj" fmla="val 10000"/>
-          </a:avLst>
-        </a:prstGeom>
-        <a:solidFill>
-          <a:schemeClr val="accent1">
-            <a:hueOff val="0"/>
-            <a:satOff val="0"/>
-            <a:lumOff val="0"/>
-            <a:alphaOff val="0"/>
-          </a:schemeClr>
-        </a:solidFill>
-        <a:ln w="12700" cap="flat" cmpd="sng" algn="ctr">
-          <a:solidFill>
-            <a:schemeClr val="lt1">
-              <a:hueOff val="0"/>
-              <a:satOff val="0"/>
-              <a:lumOff val="0"/>
-              <a:alphaOff val="0"/>
-            </a:schemeClr>
-          </a:solidFill>
-          <a:prstDash val="solid"/>
-          <a:miter lim="800000"/>
-        </a:ln>
-        <a:effectLst/>
-      </dsp:spPr>
-      <dsp:style>
-        <a:lnRef idx="2">
-          <a:scrgbClr r="0" g="0" b="0"/>
-        </a:lnRef>
-        <a:fillRef idx="1">
-          <a:scrgbClr r="0" g="0" b="0"/>
-        </a:fillRef>
-        <a:effectRef idx="0">
-          <a:scrgbClr r="0" g="0" b="0"/>
-        </a:effectRef>
-        <a:fontRef idx="minor">
-          <a:schemeClr val="lt1"/>
-        </a:fontRef>
-      </dsp:style>
-      <dsp:txBody>
-        <a:bodyPr spcFirstLastPara="0" vert="horz" wrap="square" lIns="4445" tIns="4445" rIns="4445" bIns="4445" numCol="1" spcCol="1270" anchor="ctr" anchorCtr="0">
-          <a:noAutofit/>
-        </a:bodyPr>
-        <a:lstStyle/>
-        <a:p>
-          <a:pPr lvl="0" algn="ctr" defTabSz="311150">
-            <a:lnSpc>
-              <a:spcPct val="90000"/>
-            </a:lnSpc>
-            <a:spcBef>
-              <a:spcPct val="0"/>
-            </a:spcBef>
-            <a:spcAft>
-              <a:spcPct val="35000"/>
-            </a:spcAft>
-          </a:pPr>
-          <a:r>
-            <a:rPr lang="en-US" sz="700" kern="1200" dirty="0" err="1" smtClean="0"/>
-            <a:t>Imp_model</a:t>
-          </a:r>
-          <a:endParaRPr lang="en-US" sz="700" kern="1200" dirty="0"/>
-        </a:p>
-      </dsp:txBody>
-      <dsp:txXfrm>
-        <a:off x="2705238" y="4746857"/>
-        <a:ext cx="595052" cy="288549"/>
-      </dsp:txXfrm>
-    </dsp:sp>
-    <dsp:sp modelId="{0718777C-723F-456C-B6D5-F4455C058DE2}">
-      <dsp:nvSpPr>
-        <dsp:cNvPr id="0" name=""/>
-        <dsp:cNvSpPr/>
-      </dsp:nvSpPr>
-      <dsp:spPr>
-        <a:xfrm rot="17692822">
-          <a:off x="3140464" y="4622021"/>
-          <a:ext cx="582809" cy="9503"/>
-        </a:xfrm>
-        <a:custGeom>
-          <a:avLst/>
-          <a:gdLst/>
-          <a:ahLst/>
-          <a:cxnLst/>
-          <a:rect l="0" t="0" r="0" b="0"/>
-          <a:pathLst>
-            <a:path>
-              <a:moveTo>
-                <a:pt x="0" y="4751"/>
-              </a:moveTo>
-              <a:lnTo>
-                <a:pt x="582809" y="4751"/>
-              </a:lnTo>
-            </a:path>
-          </a:pathLst>
-        </a:custGeom>
-        <a:noFill/>
-        <a:ln w="12700" cap="flat" cmpd="sng" algn="ctr">
-          <a:solidFill>
-            <a:schemeClr val="accent1">
-              <a:shade val="80000"/>
-              <a:hueOff val="0"/>
-              <a:satOff val="0"/>
-              <a:lumOff val="0"/>
-              <a:alphaOff val="0"/>
-            </a:schemeClr>
-          </a:solidFill>
-          <a:prstDash val="solid"/>
-          <a:miter lim="800000"/>
-        </a:ln>
-        <a:effectLst/>
-      </dsp:spPr>
-      <dsp:style>
-        <a:lnRef idx="2">
-          <a:scrgbClr r="0" g="0" b="0"/>
-        </a:lnRef>
-        <a:fillRef idx="0">
-          <a:scrgbClr r="0" g="0" b="0"/>
-        </a:fillRef>
-        <a:effectRef idx="0">
-          <a:scrgbClr r="0" g="0" b="0"/>
-        </a:effectRef>
-        <a:fontRef idx="minor"/>
-      </dsp:style>
-      <dsp:txBody>
-        <a:bodyPr spcFirstLastPara="0" vert="horz" wrap="square" lIns="12700" tIns="0" rIns="12700" bIns="0" numCol="1" spcCol="1270" anchor="ctr" anchorCtr="0">
-          <a:noAutofit/>
-        </a:bodyPr>
-        <a:lstStyle/>
-        <a:p>
-          <a:pPr lvl="0" algn="ctr" defTabSz="222250">
-            <a:lnSpc>
-              <a:spcPct val="90000"/>
-            </a:lnSpc>
-            <a:spcBef>
-              <a:spcPct val="0"/>
-            </a:spcBef>
-            <a:spcAft>
-              <a:spcPct val="35000"/>
-            </a:spcAft>
-          </a:pPr>
-          <a:endParaRPr lang="en-US" sz="500" kern="1200"/>
-        </a:p>
-      </dsp:txBody>
-      <dsp:txXfrm>
-        <a:off x="3417299" y="4612202"/>
-        <a:ext cx="29140" cy="29140"/>
-      </dsp:txXfrm>
-    </dsp:sp>
-    <dsp:sp modelId="{BCF94263-3D1D-4C52-A7EA-7C879D2CE2E8}">
-      <dsp:nvSpPr>
-        <dsp:cNvPr id="0" name=""/>
-        <dsp:cNvSpPr/>
-      </dsp:nvSpPr>
-      <dsp:spPr>
-        <a:xfrm>
-          <a:off x="3554470" y="4209162"/>
-          <a:ext cx="613006" cy="306503"/>
-        </a:xfrm>
-        <a:prstGeom prst="roundRect">
-          <a:avLst>
-            <a:gd name="adj" fmla="val 10000"/>
-          </a:avLst>
-        </a:prstGeom>
-        <a:solidFill>
-          <a:schemeClr val="accent1">
-            <a:hueOff val="0"/>
-            <a:satOff val="0"/>
-            <a:lumOff val="0"/>
-            <a:alphaOff val="0"/>
-          </a:schemeClr>
-        </a:solidFill>
-        <a:ln w="12700" cap="flat" cmpd="sng" algn="ctr">
-          <a:solidFill>
-            <a:schemeClr val="lt1">
-              <a:hueOff val="0"/>
-              <a:satOff val="0"/>
-              <a:lumOff val="0"/>
-              <a:alphaOff val="0"/>
-            </a:schemeClr>
-          </a:solidFill>
-          <a:prstDash val="solid"/>
-          <a:miter lim="800000"/>
-        </a:ln>
-        <a:effectLst/>
-      </dsp:spPr>
-      <dsp:style>
-        <a:lnRef idx="2">
-          <a:scrgbClr r="0" g="0" b="0"/>
-        </a:lnRef>
-        <a:fillRef idx="1">
-          <a:scrgbClr r="0" g="0" b="0"/>
-        </a:fillRef>
-        <a:effectRef idx="0">
-          <a:scrgbClr r="0" g="0" b="0"/>
-        </a:effectRef>
-        <a:fontRef idx="minor">
-          <a:schemeClr val="lt1"/>
-        </a:fontRef>
-      </dsp:style>
-      <dsp:txBody>
-        <a:bodyPr spcFirstLastPara="0" vert="horz" wrap="square" lIns="4445" tIns="4445" rIns="4445" bIns="4445" numCol="1" spcCol="1270" anchor="ctr" anchorCtr="0">
-          <a:noAutofit/>
-        </a:bodyPr>
-        <a:lstStyle/>
-        <a:p>
-          <a:pPr lvl="0" algn="ctr" defTabSz="311150">
-            <a:lnSpc>
-              <a:spcPct val="90000"/>
-            </a:lnSpc>
-            <a:spcBef>
-              <a:spcPct val="0"/>
-            </a:spcBef>
-            <a:spcAft>
-              <a:spcPct val="35000"/>
-            </a:spcAft>
-          </a:pPr>
-          <a:r>
-            <a:rPr lang="en-US" sz="700" kern="1200" dirty="0" err="1" smtClean="0"/>
-            <a:t>ConfigImp.yaml</a:t>
-          </a:r>
-          <a:endParaRPr lang="en-US" sz="700" kern="1200" dirty="0"/>
-        </a:p>
-      </dsp:txBody>
-      <dsp:txXfrm>
-        <a:off x="3563447" y="4218139"/>
-        <a:ext cx="595052" cy="288549"/>
-      </dsp:txXfrm>
-    </dsp:sp>
-    <dsp:sp modelId="{7A5C5127-E9EE-4F8F-B9C6-82ABFA6A7716}">
-      <dsp:nvSpPr>
-        <dsp:cNvPr id="0" name=""/>
-        <dsp:cNvSpPr/>
-      </dsp:nvSpPr>
-      <dsp:spPr>
-        <a:xfrm rot="19457599">
-          <a:off x="3280885" y="4798260"/>
-          <a:ext cx="301967" cy="9503"/>
-        </a:xfrm>
-        <a:custGeom>
-          <a:avLst/>
-          <a:gdLst/>
-          <a:ahLst/>
-          <a:cxnLst/>
-          <a:rect l="0" t="0" r="0" b="0"/>
-          <a:pathLst>
-            <a:path>
-              <a:moveTo>
-                <a:pt x="0" y="4751"/>
-              </a:moveTo>
-              <a:lnTo>
-                <a:pt x="301967" y="4751"/>
-              </a:lnTo>
-            </a:path>
-          </a:pathLst>
-        </a:custGeom>
-        <a:noFill/>
-        <a:ln w="12700" cap="flat" cmpd="sng" algn="ctr">
-          <a:solidFill>
-            <a:schemeClr val="accent1">
-              <a:shade val="80000"/>
-              <a:hueOff val="0"/>
-              <a:satOff val="0"/>
-              <a:lumOff val="0"/>
-              <a:alphaOff val="0"/>
-            </a:schemeClr>
-          </a:solidFill>
-          <a:prstDash val="solid"/>
-          <a:miter lim="800000"/>
-        </a:ln>
-        <a:effectLst/>
-      </dsp:spPr>
-      <dsp:style>
-        <a:lnRef idx="2">
-          <a:scrgbClr r="0" g="0" b="0"/>
-        </a:lnRef>
-        <a:fillRef idx="0">
-          <a:scrgbClr r="0" g="0" b="0"/>
-        </a:fillRef>
-        <a:effectRef idx="0">
-          <a:scrgbClr r="0" g="0" b="0"/>
-        </a:effectRef>
-        <a:fontRef idx="minor"/>
-      </dsp:style>
-      <dsp:txBody>
-        <a:bodyPr spcFirstLastPara="0" vert="horz" wrap="square" lIns="12700" tIns="0" rIns="12700" bIns="0" numCol="1" spcCol="1270" anchor="ctr" anchorCtr="0">
-          <a:noAutofit/>
-        </a:bodyPr>
-        <a:lstStyle/>
-        <a:p>
-          <a:pPr lvl="0" algn="ctr" defTabSz="222250">
-            <a:lnSpc>
-              <a:spcPct val="90000"/>
-            </a:lnSpc>
-            <a:spcBef>
-              <a:spcPct val="0"/>
-            </a:spcBef>
-            <a:spcAft>
-              <a:spcPct val="35000"/>
-            </a:spcAft>
-          </a:pPr>
-          <a:endParaRPr lang="en-US" sz="500" kern="1200"/>
-        </a:p>
-      </dsp:txBody>
-      <dsp:txXfrm>
-        <a:off x="3424320" y="4795462"/>
-        <a:ext cx="15098" cy="15098"/>
-      </dsp:txXfrm>
-    </dsp:sp>
-    <dsp:sp modelId="{8BFE681A-3B4A-424A-924F-B15F50B56C9B}">
-      <dsp:nvSpPr>
-        <dsp:cNvPr id="0" name=""/>
-        <dsp:cNvSpPr/>
-      </dsp:nvSpPr>
-      <dsp:spPr>
-        <a:xfrm>
-          <a:off x="3554470" y="4561640"/>
-          <a:ext cx="613006" cy="306503"/>
-        </a:xfrm>
-        <a:prstGeom prst="roundRect">
-          <a:avLst>
-            <a:gd name="adj" fmla="val 10000"/>
-          </a:avLst>
-        </a:prstGeom>
-        <a:solidFill>
-          <a:schemeClr val="accent1">
-            <a:hueOff val="0"/>
-            <a:satOff val="0"/>
-            <a:lumOff val="0"/>
-            <a:alphaOff val="0"/>
-          </a:schemeClr>
-        </a:solidFill>
-        <a:ln w="12700" cap="flat" cmpd="sng" algn="ctr">
-          <a:solidFill>
-            <a:schemeClr val="lt1">
-              <a:hueOff val="0"/>
-              <a:satOff val="0"/>
-              <a:lumOff val="0"/>
-              <a:alphaOff val="0"/>
-            </a:schemeClr>
-          </a:solidFill>
-          <a:prstDash val="solid"/>
-          <a:miter lim="800000"/>
-        </a:ln>
-        <a:effectLst/>
-      </dsp:spPr>
-      <dsp:style>
-        <a:lnRef idx="2">
-          <a:scrgbClr r="0" g="0" b="0"/>
-        </a:lnRef>
-        <a:fillRef idx="1">
-          <a:scrgbClr r="0" g="0" b="0"/>
-        </a:fillRef>
-        <a:effectRef idx="0">
-          <a:scrgbClr r="0" g="0" b="0"/>
-        </a:effectRef>
-        <a:fontRef idx="minor">
-          <a:schemeClr val="lt1"/>
-        </a:fontRef>
-      </dsp:style>
-      <dsp:txBody>
-        <a:bodyPr spcFirstLastPara="0" vert="horz" wrap="square" lIns="4445" tIns="4445" rIns="4445" bIns="4445" numCol="1" spcCol="1270" anchor="ctr" anchorCtr="0">
-          <a:noAutofit/>
-        </a:bodyPr>
-        <a:lstStyle/>
-        <a:p>
-          <a:pPr lvl="0" algn="ctr" defTabSz="311150">
-            <a:lnSpc>
-              <a:spcPct val="90000"/>
-            </a:lnSpc>
-            <a:spcBef>
-              <a:spcPct val="0"/>
-            </a:spcBef>
-            <a:spcAft>
-              <a:spcPct val="35000"/>
-            </a:spcAft>
-          </a:pPr>
-          <a:r>
-            <a:rPr lang="en-US" sz="700" kern="1200" dirty="0" smtClean="0"/>
-            <a:t>Imp_job_run.py</a:t>
-          </a:r>
-          <a:endParaRPr lang="en-US" sz="700" kern="1200" dirty="0"/>
-        </a:p>
-      </dsp:txBody>
-      <dsp:txXfrm>
-        <a:off x="3563447" y="4570617"/>
-        <a:ext cx="595052" cy="288549"/>
-      </dsp:txXfrm>
-    </dsp:sp>
-    <dsp:sp modelId="{65C40B43-42FB-4759-80A6-09B195DBFB78}">
-      <dsp:nvSpPr>
-        <dsp:cNvPr id="0" name=""/>
-        <dsp:cNvSpPr/>
-      </dsp:nvSpPr>
-      <dsp:spPr>
-        <a:xfrm rot="2142401">
-          <a:off x="3280885" y="4974499"/>
-          <a:ext cx="301967" cy="9503"/>
-        </a:xfrm>
-        <a:custGeom>
-          <a:avLst/>
-          <a:gdLst/>
-          <a:ahLst/>
-          <a:cxnLst/>
-          <a:rect l="0" t="0" r="0" b="0"/>
-          <a:pathLst>
-            <a:path>
-              <a:moveTo>
-                <a:pt x="0" y="4751"/>
-              </a:moveTo>
-              <a:lnTo>
-                <a:pt x="301967" y="4751"/>
-              </a:lnTo>
-            </a:path>
-          </a:pathLst>
-        </a:custGeom>
-        <a:noFill/>
-        <a:ln w="12700" cap="flat" cmpd="sng" algn="ctr">
-          <a:solidFill>
-            <a:schemeClr val="accent1">
-              <a:shade val="80000"/>
-              <a:hueOff val="0"/>
-              <a:satOff val="0"/>
-              <a:lumOff val="0"/>
-              <a:alphaOff val="0"/>
-            </a:schemeClr>
-          </a:solidFill>
-          <a:prstDash val="solid"/>
-          <a:miter lim="800000"/>
-        </a:ln>
-        <a:effectLst/>
-      </dsp:spPr>
-      <dsp:style>
-        <a:lnRef idx="2">
-          <a:scrgbClr r="0" g="0" b="0"/>
-        </a:lnRef>
-        <a:fillRef idx="0">
-          <a:scrgbClr r="0" g="0" b="0"/>
-        </a:fillRef>
-        <a:effectRef idx="0">
-          <a:scrgbClr r="0" g="0" b="0"/>
-        </a:effectRef>
-        <a:fontRef idx="minor"/>
-      </dsp:style>
-      <dsp:txBody>
-        <a:bodyPr spcFirstLastPara="0" vert="horz" wrap="square" lIns="12700" tIns="0" rIns="12700" bIns="0" numCol="1" spcCol="1270" anchor="ctr" anchorCtr="0">
-          <a:noAutofit/>
-        </a:bodyPr>
-        <a:lstStyle/>
-        <a:p>
-          <a:pPr lvl="0" algn="ctr" defTabSz="222250">
-            <a:lnSpc>
-              <a:spcPct val="90000"/>
-            </a:lnSpc>
-            <a:spcBef>
-              <a:spcPct val="0"/>
-            </a:spcBef>
-            <a:spcAft>
-              <a:spcPct val="35000"/>
-            </a:spcAft>
-          </a:pPr>
-          <a:endParaRPr lang="en-US" sz="500" kern="1200"/>
-        </a:p>
-      </dsp:txBody>
-      <dsp:txXfrm>
-        <a:off x="3424320" y="4971702"/>
-        <a:ext cx="15098" cy="15098"/>
-      </dsp:txXfrm>
-    </dsp:sp>
-    <dsp:sp modelId="{0512EAAC-D205-4D1A-9510-331AA66424DE}">
-      <dsp:nvSpPr>
-        <dsp:cNvPr id="0" name=""/>
-        <dsp:cNvSpPr/>
-      </dsp:nvSpPr>
-      <dsp:spPr>
-        <a:xfrm>
-          <a:off x="3554470" y="4914119"/>
-          <a:ext cx="613006" cy="306503"/>
-        </a:xfrm>
-        <a:prstGeom prst="roundRect">
-          <a:avLst>
-            <a:gd name="adj" fmla="val 10000"/>
-          </a:avLst>
-        </a:prstGeom>
-        <a:solidFill>
-          <a:schemeClr val="accent1">
-            <a:hueOff val="0"/>
-            <a:satOff val="0"/>
-            <a:lumOff val="0"/>
-            <a:alphaOff val="0"/>
-          </a:schemeClr>
-        </a:solidFill>
-        <a:ln w="12700" cap="flat" cmpd="sng" algn="ctr">
-          <a:solidFill>
-            <a:schemeClr val="lt1">
-              <a:hueOff val="0"/>
-              <a:satOff val="0"/>
-              <a:lumOff val="0"/>
-              <a:alphaOff val="0"/>
-            </a:schemeClr>
-          </a:solidFill>
-          <a:prstDash val="solid"/>
-          <a:miter lim="800000"/>
-        </a:ln>
-        <a:effectLst/>
-      </dsp:spPr>
-      <dsp:style>
-        <a:lnRef idx="2">
-          <a:scrgbClr r="0" g="0" b="0"/>
-        </a:lnRef>
-        <a:fillRef idx="1">
-          <a:scrgbClr r="0" g="0" b="0"/>
-        </a:fillRef>
-        <a:effectRef idx="0">
-          <a:scrgbClr r="0" g="0" b="0"/>
-        </a:effectRef>
-        <a:fontRef idx="minor">
-          <a:schemeClr val="lt1"/>
-        </a:fontRef>
-      </dsp:style>
-      <dsp:txBody>
-        <a:bodyPr spcFirstLastPara="0" vert="horz" wrap="square" lIns="4445" tIns="4445" rIns="4445" bIns="4445" numCol="1" spcCol="1270" anchor="ctr" anchorCtr="0">
-          <a:noAutofit/>
-        </a:bodyPr>
-        <a:lstStyle/>
-        <a:p>
-          <a:pPr lvl="0" algn="ctr" defTabSz="311150">
-            <a:lnSpc>
-              <a:spcPct val="90000"/>
-            </a:lnSpc>
-            <a:spcBef>
-              <a:spcPct val="0"/>
-            </a:spcBef>
-            <a:spcAft>
-              <a:spcPct val="35000"/>
-            </a:spcAft>
-          </a:pPr>
-          <a:endParaRPr lang="en-US" sz="700" kern="1200" dirty="0"/>
-        </a:p>
-      </dsp:txBody>
-      <dsp:txXfrm>
-        <a:off x="3563447" y="4923096"/>
-        <a:ext cx="595052" cy="288549"/>
-      </dsp:txXfrm>
-    </dsp:sp>
-    <dsp:sp modelId="{4B6AB80A-BDD2-41ED-97FF-2636BE19C9C3}">
-      <dsp:nvSpPr>
-        <dsp:cNvPr id="0" name=""/>
-        <dsp:cNvSpPr/>
-      </dsp:nvSpPr>
-      <dsp:spPr>
-        <a:xfrm rot="3907178">
-          <a:off x="3140464" y="5150738"/>
-          <a:ext cx="582809" cy="9503"/>
-        </a:xfrm>
-        <a:custGeom>
-          <a:avLst/>
-          <a:gdLst/>
-          <a:ahLst/>
-          <a:cxnLst/>
-          <a:rect l="0" t="0" r="0" b="0"/>
-          <a:pathLst>
-            <a:path>
-              <a:moveTo>
-                <a:pt x="0" y="4751"/>
-              </a:moveTo>
-              <a:lnTo>
-                <a:pt x="582809" y="4751"/>
-              </a:lnTo>
-            </a:path>
-          </a:pathLst>
-        </a:custGeom>
-        <a:noFill/>
-        <a:ln w="12700" cap="flat" cmpd="sng" algn="ctr">
-          <a:solidFill>
-            <a:schemeClr val="accent1">
-              <a:shade val="80000"/>
-              <a:hueOff val="0"/>
-              <a:satOff val="0"/>
-              <a:lumOff val="0"/>
-              <a:alphaOff val="0"/>
-            </a:schemeClr>
-          </a:solidFill>
-          <a:prstDash val="solid"/>
-          <a:miter lim="800000"/>
-        </a:ln>
-        <a:effectLst/>
-      </dsp:spPr>
-      <dsp:style>
-        <a:lnRef idx="2">
-          <a:scrgbClr r="0" g="0" b="0"/>
-        </a:lnRef>
-        <a:fillRef idx="0">
-          <a:scrgbClr r="0" g="0" b="0"/>
-        </a:fillRef>
-        <a:effectRef idx="0">
-          <a:scrgbClr r="0" g="0" b="0"/>
-        </a:effectRef>
-        <a:fontRef idx="minor"/>
-      </dsp:style>
-      <dsp:txBody>
-        <a:bodyPr spcFirstLastPara="0" vert="horz" wrap="square" lIns="12700" tIns="0" rIns="12700" bIns="0" numCol="1" spcCol="1270" anchor="ctr" anchorCtr="0">
-          <a:noAutofit/>
-        </a:bodyPr>
-        <a:lstStyle/>
-        <a:p>
-          <a:pPr lvl="0" algn="ctr" defTabSz="222250">
-            <a:lnSpc>
-              <a:spcPct val="90000"/>
-            </a:lnSpc>
-            <a:spcBef>
-              <a:spcPct val="0"/>
-            </a:spcBef>
-            <a:spcAft>
-              <a:spcPct val="35000"/>
-            </a:spcAft>
-          </a:pPr>
-          <a:endParaRPr lang="en-US" sz="500" kern="1200"/>
-        </a:p>
-      </dsp:txBody>
-      <dsp:txXfrm>
-        <a:off x="3417299" y="5140920"/>
-        <a:ext cx="29140" cy="29140"/>
-      </dsp:txXfrm>
-    </dsp:sp>
-    <dsp:sp modelId="{891E55A6-97DF-49D4-A7E1-FE662B81F945}">
-      <dsp:nvSpPr>
-        <dsp:cNvPr id="0" name=""/>
-        <dsp:cNvSpPr/>
-      </dsp:nvSpPr>
-      <dsp:spPr>
-        <a:xfrm>
-          <a:off x="3554470" y="5266597"/>
-          <a:ext cx="613006" cy="306503"/>
-        </a:xfrm>
-        <a:prstGeom prst="roundRect">
-          <a:avLst>
-            <a:gd name="adj" fmla="val 10000"/>
-          </a:avLst>
-        </a:prstGeom>
-        <a:solidFill>
-          <a:schemeClr val="accent1">
-            <a:hueOff val="0"/>
-            <a:satOff val="0"/>
-            <a:lumOff val="0"/>
-            <a:alphaOff val="0"/>
-          </a:schemeClr>
-        </a:solidFill>
-        <a:ln w="12700" cap="flat" cmpd="sng" algn="ctr">
-          <a:solidFill>
-            <a:schemeClr val="lt1">
-              <a:hueOff val="0"/>
-              <a:satOff val="0"/>
-              <a:lumOff val="0"/>
-              <a:alphaOff val="0"/>
-            </a:schemeClr>
-          </a:solidFill>
-          <a:prstDash val="solid"/>
-          <a:miter lim="800000"/>
-        </a:ln>
-        <a:effectLst/>
-      </dsp:spPr>
-      <dsp:style>
-        <a:lnRef idx="2">
-          <a:scrgbClr r="0" g="0" b="0"/>
-        </a:lnRef>
-        <a:fillRef idx="1">
-          <a:scrgbClr r="0" g="0" b="0"/>
-        </a:fillRef>
-        <a:effectRef idx="0">
-          <a:scrgbClr r="0" g="0" b="0"/>
-        </a:effectRef>
-        <a:fontRef idx="minor">
-          <a:schemeClr val="lt1"/>
-        </a:fontRef>
-      </dsp:style>
-      <dsp:txBody>
-        <a:bodyPr spcFirstLastPara="0" vert="horz" wrap="square" lIns="4445" tIns="4445" rIns="4445" bIns="4445" numCol="1" spcCol="1270" anchor="ctr" anchorCtr="0">
-          <a:noAutofit/>
-        </a:bodyPr>
-        <a:lstStyle/>
-        <a:p>
-          <a:pPr lvl="0" algn="ctr" defTabSz="311150">
-            <a:lnSpc>
-              <a:spcPct val="90000"/>
-            </a:lnSpc>
-            <a:spcBef>
-              <a:spcPct val="0"/>
-            </a:spcBef>
-            <a:spcAft>
-              <a:spcPct val="35000"/>
-            </a:spcAft>
-          </a:pPr>
-          <a:endParaRPr lang="en-US" sz="700" kern="1200" dirty="0"/>
-        </a:p>
-      </dsp:txBody>
-      <dsp:txXfrm>
-        <a:off x="3563447" y="5275574"/>
-        <a:ext cx="595052" cy="288549"/>
-      </dsp:txXfrm>
-    </dsp:sp>
   </dsp:spTree>
 </dsp:drawing>
 </file>
@@ -11729,7 +9207,7 @@
           <a:p>
             <a:fld id="{68796EA6-6F25-4F19-87BA-7ADCC16DAEFF}" type="datetimeFigureOut">
               <a:rPr lang="en-US" smtClean="0"/>
-              <a:t>11/22/2020</a:t>
+              <a:t>11/29/2020</a:t>
             </a:fld>
             <a:endParaRPr lang="en-US" dirty="0"/>
           </a:p>
@@ -11894,7 +9372,7 @@
           <a:p>
             <a:fld id="{C39C172E-A8B5-46F6-B05C-DFA3E2E0F207}" type="datetimeFigureOut">
               <a:rPr lang="en-US" smtClean="0"/>
-              <a:t>11/22/2020</a:t>
+              <a:t>11/29/2020</a:t>
             </a:fld>
             <a:endParaRPr lang="en-US" dirty="0"/>
           </a:p>
@@ -13444,7 +10922,7 @@
             <a:fld id="{4E708F12-96AD-4ED4-8132-A78F5E42C1F5}" type="datetime1">
               <a:rPr lang="en-US" smtClean="0"/>
               <a:pPr/>
-              <a:t>11/22/2020</a:t>
+              <a:t>11/29/2020</a:t>
             </a:fld>
             <a:endParaRPr lang="en-US" dirty="0"/>
           </a:p>
@@ -13649,7 +11127,7 @@
           <a:p>
             <a:fld id="{7B7FA170-8299-44AD-AEEF-FC686C3D7804}" type="datetime1">
               <a:rPr lang="en-US" smtClean="0"/>
-              <a:t>11/22/2020</a:t>
+              <a:t>11/29/2020</a:t>
             </a:fld>
             <a:endParaRPr lang="en-US" dirty="0"/>
           </a:p>
@@ -13851,7 +11329,7 @@
           <a:p>
             <a:fld id="{2231763A-68EC-4ECD-9620-D9FE9CDDD622}" type="datetime1">
               <a:rPr lang="en-US" smtClean="0"/>
-              <a:t>11/22/2020</a:t>
+              <a:t>11/29/2020</a:t>
             </a:fld>
             <a:endParaRPr lang="en-US" dirty="0"/>
           </a:p>
@@ -14046,7 +11524,7 @@
           <a:p>
             <a:fld id="{7B98BEDD-6160-49BB-B372-861DE7DE9BA5}" type="datetime1">
               <a:rPr lang="en-US" smtClean="0"/>
-              <a:t>11/22/2020</a:t>
+              <a:t>11/29/2020</a:t>
             </a:fld>
             <a:endParaRPr lang="en-US" dirty="0"/>
           </a:p>
@@ -14281,7 +11759,7 @@
           <a:p>
             <a:fld id="{0AAE819F-B7FD-4B29-8F66-9E318144BC2A}" type="datetime1">
               <a:rPr lang="en-US" smtClean="0"/>
-              <a:t>11/22/2020</a:t>
+              <a:t>11/29/2020</a:t>
             </a:fld>
             <a:endParaRPr lang="en-US" dirty="0"/>
           </a:p>
@@ -14560,7 +12038,7 @@
           <a:p>
             <a:fld id="{D4CA159C-B6E0-4F10-9F4A-2FA57003B139}" type="datetime1">
               <a:rPr lang="en-US" smtClean="0"/>
-              <a:t>11/22/2020</a:t>
+              <a:t>11/29/2020</a:t>
             </a:fld>
             <a:endParaRPr lang="en-US" dirty="0"/>
           </a:p>
@@ -15002,7 +12480,7 @@
           <a:p>
             <a:fld id="{8170CBBB-D1D1-4386-A5E9-07F3477B78F3}" type="datetime1">
               <a:rPr lang="en-US" smtClean="0"/>
-              <a:t>11/22/2020</a:t>
+              <a:t>11/29/2020</a:t>
             </a:fld>
             <a:endParaRPr lang="en-US" dirty="0"/>
           </a:p>
@@ -15158,7 +12636,7 @@
           <a:p>
             <a:fld id="{9FA4CAD8-0EA7-4615-B69B-B2F199EF3A93}" type="datetime1">
               <a:rPr lang="en-US" smtClean="0"/>
-              <a:t>11/22/2020</a:t>
+              <a:t>11/29/2020</a:t>
             </a:fld>
             <a:endParaRPr lang="en-US" dirty="0"/>
           </a:p>
@@ -15273,7 +12751,7 @@
           <a:p>
             <a:fld id="{B9234BD7-6953-492C-921B-E68B2D7F14C8}" type="datetime1">
               <a:rPr lang="en-US" smtClean="0"/>
-              <a:t>11/22/2020</a:t>
+              <a:t>11/29/2020</a:t>
             </a:fld>
             <a:endParaRPr lang="en-US" dirty="0"/>
           </a:p>
@@ -15537,7 +13015,7 @@
           <a:p>
             <a:fld id="{35A17D9B-D4D3-4E23-88DF-2E354FA43196}" type="datetime1">
               <a:rPr lang="en-US" smtClean="0"/>
-              <a:t>11/22/2020</a:t>
+              <a:t>11/29/2020</a:t>
             </a:fld>
             <a:endParaRPr lang="en-US" dirty="0"/>
           </a:p>
@@ -15801,7 +13279,7 @@
           <a:p>
             <a:fld id="{541F67C5-D04E-4576-B61C-12ABA14BBD6C}" type="datetime1">
               <a:rPr lang="en-US" smtClean="0"/>
-              <a:t>11/22/2020</a:t>
+              <a:t>11/29/2020</a:t>
             </a:fld>
             <a:endParaRPr lang="en-US" dirty="0"/>
           </a:p>
@@ -16666,7 +14144,7 @@
             <a:fld id="{C20F09E4-6EA4-4BF3-9FC8-FF40373B88E6}" type="datetime1">
               <a:rPr lang="en-US" smtClean="0"/>
               <a:pPr/>
-              <a:t>11/22/2020</a:t>
+              <a:t>11/29/2020</a:t>
             </a:fld>
             <a:endParaRPr lang="en-US" dirty="0"/>
           </a:p>
@@ -18560,13 +16038,8 @@
             </a:r>
             <a:r>
               <a:rPr lang="en-US" dirty="0" smtClean="0"/>
-              <a:t> =&gt; </a:t>
-            </a:r>
-            <a:r>
-              <a:rPr lang="en-US" dirty="0" smtClean="0"/>
-              <a:t>protein amino acid sequence</a:t>
-            </a:r>
-            <a:endParaRPr lang="en-US" dirty="0" smtClean="0"/>
+              <a:t> =&gt; protein amino acid sequence</a:t>
+            </a:r>
           </a:p>
           <a:p>
             <a:pPr lvl="1">
@@ -18579,13 +16052,8 @@
             </a:r>
             <a:r>
               <a:rPr lang="en-US" dirty="0" smtClean="0"/>
-              <a:t> </a:t>
-            </a:r>
-            <a:r>
-              <a:rPr lang="en-US" dirty="0" smtClean="0"/>
-              <a:t>=&gt; hydrogen exchange</a:t>
-            </a:r>
-            <a:endParaRPr lang="en-US" dirty="0" smtClean="0"/>
+              <a:t> =&gt; hydrogen exchange</a:t>
+            </a:r>
           </a:p>
           <a:p>
             <a:pPr lvl="1">
@@ -18604,13 +16072,8 @@
             </a:pPr>
             <a:r>
               <a:rPr lang="en-US" dirty="0" smtClean="0"/>
-              <a:t>xl =&gt; </a:t>
-            </a:r>
-            <a:r>
-              <a:rPr lang="en-US" dirty="0" smtClean="0"/>
-              <a:t>cross linking</a:t>
-            </a:r>
-            <a:endParaRPr lang="en-US" dirty="0" smtClean="0"/>
+              <a:t>xl =&gt; cross linking</a:t>
+            </a:r>
           </a:p>
           <a:p>
             <a:pPr lvl="1">
@@ -19121,11 +16584,7 @@
           <a:p>
             <a:r>
               <a:rPr lang="en-US" dirty="0" smtClean="0"/>
-              <a:t>Review Topology.txt </a:t>
-            </a:r>
-            <a:r>
-              <a:rPr lang="en-US" dirty="0" smtClean="0"/>
-              <a:t>and </a:t>
+              <a:t>Review Topology.txt and </a:t>
             </a:r>
             <a:r>
               <a:rPr lang="en-US" dirty="0" err="1" smtClean="0"/>
@@ -19138,7 +16597,6 @@
               <a:rPr lang="en-US" dirty="0" smtClean="0"/>
               <a:t>Review python driver scripts</a:t>
             </a:r>
-            <a:endParaRPr lang="en-US" dirty="0" smtClean="0"/>
           </a:p>
           <a:p>
             <a:endParaRPr lang="en-US" dirty="0"/>
@@ -21676,15 +19134,23 @@
           <a:lstStyle/>
           <a:p>
             <a:r>
-              <a:rPr lang="en-US" dirty="0"/>
-              <a:t>List the intended outcomes for this training session.</a:t>
-            </a:r>
-          </a:p>
-          <a:p>
-            <a:r>
-              <a:rPr lang="en-US" dirty="0"/>
-              <a:t>Each objective should be concise, should contain a verb, and should have a measurable result.</a:t>
-            </a:r>
+              <a:rPr lang="en-US" dirty="0" smtClean="0"/>
+              <a:t>Deployment follows a 3 step setup process.</a:t>
+            </a:r>
+          </a:p>
+          <a:p>
+            <a:r>
+              <a:rPr lang="en-US" dirty="0" smtClean="0"/>
+              <a:t>Deployment to Cedar.</a:t>
+            </a:r>
+            <a:endParaRPr lang="en-US" dirty="0"/>
+          </a:p>
+          <a:p>
+            <a:r>
+              <a:rPr lang="en-US" dirty="0" smtClean="0"/>
+              <a:t>Deployment to AWS.</a:t>
+            </a:r>
+            <a:endParaRPr lang="en-US" dirty="0"/>
           </a:p>
         </p:txBody>
       </p:sp>
@@ -21953,11 +19419,7 @@
             </a:r>
             <a:r>
               <a:rPr lang="en-US" dirty="0" smtClean="0"/>
-              <a:t> contains the online tutorials together with the PRC2 sample project. The bootstrap scripts are also available</a:t>
-            </a:r>
-            <a:r>
-              <a:rPr lang="en-US" dirty="0" smtClean="0"/>
-              <a:t>.</a:t>
+              <a:t> contains the online tutorials together with the PRC2 sample project. The bootstrap scripts are also available.</a:t>
             </a:r>
           </a:p>
           <a:p>
@@ -22336,11 +19798,7 @@
             </a:r>
             <a:r>
               <a:rPr lang="en-US" dirty="0" smtClean="0"/>
-              <a:t> contains the online tutorials together with the PRC2 sample project. The bootstrap scripts are also available</a:t>
-            </a:r>
-            <a:r>
-              <a:rPr lang="en-US" dirty="0" smtClean="0"/>
-              <a:t>.</a:t>
+              <a:t> contains the online tutorials together with the PRC2 sample project. The bootstrap scripts are also available.</a:t>
             </a:r>
           </a:p>
           <a:p>
@@ -22958,11 +20416,7 @@
           <a:p>
             <a:r>
               <a:rPr lang="en-US" dirty="0" smtClean="0"/>
-              <a:t>Performing a test run with the sample PRC2 project enables one to validate the installation and confirm that IMP together with Anaconda are correctly installed</a:t>
-            </a:r>
-            <a:r>
-              <a:rPr lang="en-US" dirty="0" smtClean="0"/>
-              <a:t>.</a:t>
+              <a:t>Performing a test run with the sample PRC2 project enables one to validate the installation and confirm that IMP together with Anaconda are correctly installed.</a:t>
             </a:r>
           </a:p>
           <a:p>
@@ -23711,11 +21165,7 @@
             </a:pPr>
             <a:r>
               <a:rPr lang="en-US" sz="1400" b="1" dirty="0" smtClean="0"/>
-              <a:t>IMProv_msstudio_tut.md</a:t>
-            </a:r>
-            <a:r>
-              <a:rPr lang="en-US" sz="1400" b="1" dirty="0" smtClean="0"/>
-              <a:t>:  </a:t>
+              <a:t>IMProv_msstudio_tut.md:  </a:t>
             </a:r>
             <a:r>
               <a:rPr lang="en-US" sz="1400" dirty="0"/>
